--- a/lectures/DJ-05-Views-Templates.pptx
+++ b/lectures/DJ-05-Views-Templates.pptx
@@ -5,13 +5,14 @@
     <p:sldMasterId id="2147483660" r:id="rId1"/>
   </p:sldMasterIdLst>
   <p:notesMasterIdLst>
-    <p:notesMasterId r:id="rId6"/>
+    <p:notesMasterId r:id="rId7"/>
   </p:notesMasterIdLst>
   <p:sldIdLst>
     <p:sldId id="258" r:id="rId2"/>
-    <p:sldId id="282" r:id="rId3"/>
-    <p:sldId id="281" r:id="rId4"/>
-    <p:sldId id="273" r:id="rId5"/>
+    <p:sldId id="283" r:id="rId3"/>
+    <p:sldId id="282" r:id="rId4"/>
+    <p:sldId id="281" r:id="rId5"/>
+    <p:sldId id="273" r:id="rId6"/>
   </p:sldIdLst>
   <p:sldSz cx="12192000" cy="6858000"/>
   <p:notesSz cx="6858000" cy="9144000"/>
@@ -200,7 +201,7 @@
           <a:p>
             <a:fld id="{C97B56FC-7D2E-F343-9D09-0D14B00AA564}" type="datetimeFigureOut">
               <a:rPr lang="en-US" smtClean="0"/>
-              <a:t>1/31/19</a:t>
+              <a:t>2/7/19</a:t>
             </a:fld>
             <a:endParaRPr lang="en-US"/>
           </a:p>
@@ -599,7 +600,7 @@
           <a:p>
             <a:fld id="{EEE7C04C-7AF8-1445-A186-502B631B934F}" type="datetimeFigureOut">
               <a:rPr lang="en-US" smtClean="0"/>
-              <a:t>1/31/19</a:t>
+              <a:t>2/7/19</a:t>
             </a:fld>
             <a:endParaRPr lang="en-US"/>
           </a:p>
@@ -764,7 +765,7 @@
           <a:p>
             <a:fld id="{EEE7C04C-7AF8-1445-A186-502B631B934F}" type="datetimeFigureOut">
               <a:rPr lang="en-US" smtClean="0"/>
-              <a:t>1/31/19</a:t>
+              <a:t>2/7/19</a:t>
             </a:fld>
             <a:endParaRPr lang="en-US"/>
           </a:p>
@@ -939,7 +940,7 @@
           <a:p>
             <a:fld id="{EEE7C04C-7AF8-1445-A186-502B631B934F}" type="datetimeFigureOut">
               <a:rPr lang="en-US" smtClean="0"/>
-              <a:t>1/31/19</a:t>
+              <a:t>2/7/19</a:t>
             </a:fld>
             <a:endParaRPr lang="en-US"/>
           </a:p>
@@ -1104,7 +1105,7 @@
           <a:p>
             <a:fld id="{EEE7C04C-7AF8-1445-A186-502B631B934F}" type="datetimeFigureOut">
               <a:rPr lang="en-US" smtClean="0"/>
-              <a:t>1/31/19</a:t>
+              <a:t>2/7/19</a:t>
             </a:fld>
             <a:endParaRPr lang="en-US"/>
           </a:p>
@@ -1345,7 +1346,7 @@
           <a:p>
             <a:fld id="{EEE7C04C-7AF8-1445-A186-502B631B934F}" type="datetimeFigureOut">
               <a:rPr lang="en-US" smtClean="0"/>
-              <a:t>1/31/19</a:t>
+              <a:t>2/7/19</a:t>
             </a:fld>
             <a:endParaRPr lang="en-US"/>
           </a:p>
@@ -1572,7 +1573,7 @@
           <a:p>
             <a:fld id="{EEE7C04C-7AF8-1445-A186-502B631B934F}" type="datetimeFigureOut">
               <a:rPr lang="en-US" smtClean="0"/>
-              <a:t>1/31/19</a:t>
+              <a:t>2/7/19</a:t>
             </a:fld>
             <a:endParaRPr lang="en-US"/>
           </a:p>
@@ -1934,7 +1935,7 @@
           <a:p>
             <a:fld id="{EEE7C04C-7AF8-1445-A186-502B631B934F}" type="datetimeFigureOut">
               <a:rPr lang="en-US" smtClean="0"/>
-              <a:t>1/31/19</a:t>
+              <a:t>2/7/19</a:t>
             </a:fld>
             <a:endParaRPr lang="en-US"/>
           </a:p>
@@ -2047,7 +2048,7 @@
           <a:p>
             <a:fld id="{EEE7C04C-7AF8-1445-A186-502B631B934F}" type="datetimeFigureOut">
               <a:rPr lang="en-US" smtClean="0"/>
-              <a:t>1/31/19</a:t>
+              <a:t>2/7/19</a:t>
             </a:fld>
             <a:endParaRPr lang="en-US"/>
           </a:p>
@@ -2137,7 +2138,7 @@
           <a:p>
             <a:fld id="{EEE7C04C-7AF8-1445-A186-502B631B934F}" type="datetimeFigureOut">
               <a:rPr lang="en-US" smtClean="0"/>
-              <a:t>1/31/19</a:t>
+              <a:t>2/7/19</a:t>
             </a:fld>
             <a:endParaRPr lang="en-US"/>
           </a:p>
@@ -2409,7 +2410,7 @@
           <a:p>
             <a:fld id="{EEE7C04C-7AF8-1445-A186-502B631B934F}" type="datetimeFigureOut">
               <a:rPr lang="en-US" smtClean="0"/>
-              <a:t>1/31/19</a:t>
+              <a:t>2/7/19</a:t>
             </a:fld>
             <a:endParaRPr lang="en-US"/>
           </a:p>
@@ -2661,7 +2662,7 @@
           <a:p>
             <a:fld id="{EEE7C04C-7AF8-1445-A186-502B631B934F}" type="datetimeFigureOut">
               <a:rPr lang="en-US" smtClean="0"/>
-              <a:t>1/31/19</a:t>
+              <a:t>2/7/19</a:t>
             </a:fld>
             <a:endParaRPr lang="en-US"/>
           </a:p>
@@ -2869,7 +2870,7 @@
           <a:p>
             <a:fld id="{EEE7C04C-7AF8-1445-A186-502B631B934F}" type="datetimeFigureOut">
               <a:rPr lang="en-US" smtClean="0"/>
-              <a:t>1/31/19</a:t>
+              <a:t>2/7/19</a:t>
             </a:fld>
             <a:endParaRPr lang="en-US"/>
           </a:p>
@@ -3287,10 +3288,10 @@
           <p:cNvPr id="10" name="Rectangle 9">
             <a:extLst>
               <a:ext uri="{FF2B5EF4-FFF2-40B4-BE49-F238E27FC236}">
-                <a16:creationId xmlns="" xmlns:a16="http://schemas.microsoft.com/office/drawing/2014/main" id="{E20EB187-900F-4AF5-813B-101456D9FD39}"/>
+                <a16:creationId xmlns:a16="http://schemas.microsoft.com/office/drawing/2014/main" xmlns="" id="{E20EB187-900F-4AF5-813B-101456D9FD39}"/>
               </a:ext>
               <a:ext uri="{C183D7F6-B498-43B3-948B-1728B52AA6E4}">
-                <adec:decorative xmlns="" xmlns:adec="http://schemas.microsoft.com/office/drawing/2017/decorative" val="1"/>
+                <adec:decorative xmlns:adec="http://schemas.microsoft.com/office/drawing/2017/decorative" xmlns="" val="1"/>
               </a:ext>
             </a:extLst>
           </p:cNvPr>
@@ -3400,6 +3401,13 @@
             <a:pPr algn="l"/>
             <a:r>
               <a:rPr lang="en-US" sz="8000" dirty="0" smtClean="0"/>
+              <a:t>Views and</a:t>
+            </a:r>
+            <a:br>
+              <a:rPr lang="en-US" sz="8000" dirty="0" smtClean="0"/>
+            </a:br>
+            <a:r>
+              <a:rPr lang="en-US" sz="8000" dirty="0" smtClean="0"/>
               <a:t>Templates</a:t>
             </a:r>
             <a:endParaRPr lang="en-US" sz="8000" dirty="0"/>
@@ -3464,10 +3472,10 @@
           <p:cNvPr id="12" name="Straight Connector 11">
             <a:extLst>
               <a:ext uri="{FF2B5EF4-FFF2-40B4-BE49-F238E27FC236}">
-                <a16:creationId xmlns="" xmlns:a16="http://schemas.microsoft.com/office/drawing/2014/main" id="{624D17C8-E9C2-48A4-AA36-D7048A6CCC41}"/>
+                <a16:creationId xmlns:a16="http://schemas.microsoft.com/office/drawing/2014/main" xmlns="" id="{624D17C8-E9C2-48A4-AA36-D7048A6CCC41}"/>
               </a:ext>
               <a:ext uri="{C183D7F6-B498-43B3-948B-1728B52AA6E4}">
-                <adec:decorative xmlns="" xmlns:adec="http://schemas.microsoft.com/office/drawing/2017/decorative" val="1"/>
+                <adec:decorative xmlns:adec="http://schemas.microsoft.com/office/drawing/2017/decorative" xmlns="" val="1"/>
               </a:ext>
             </a:extLst>
           </p:cNvPr>
@@ -3595,6 +3603,2013 @@
           <a:chExt cx="0" cy="0"/>
         </a:xfrm>
       </p:grpSpPr>
+      <p:pic>
+        <p:nvPicPr>
+          <p:cNvPr id="42" name="Picture 41"/>
+          <p:cNvPicPr>
+            <a:picLocks noChangeAspect="1"/>
+          </p:cNvPicPr>
+          <p:nvPr/>
+        </p:nvPicPr>
+        <p:blipFill rotWithShape="1">
+          <a:blip r:embed="rId2">
+            <a:alphaModFix/>
+            <a:extLst>
+              <a:ext uri="{28A0092B-C50C-407E-A947-70E740481C1C}">
+                <a14:useLocalDpi xmlns:a14="http://schemas.microsoft.com/office/drawing/2010/main" val="0"/>
+              </a:ext>
+            </a:extLst>
+          </a:blip>
+          <a:srcRect b="2174"/>
+          <a:stretch/>
+        </p:blipFill>
+        <p:spPr>
+          <a:xfrm>
+            <a:off x="20" y="11704"/>
+            <a:ext cx="12191980" cy="6857999"/>
+          </a:xfrm>
+          <a:prstGeom prst="rect">
+            <a:avLst/>
+          </a:prstGeom>
+        </p:spPr>
+      </p:pic>
+      <p:sp>
+        <p:nvSpPr>
+          <p:cNvPr id="5" name="Rectangle 4"/>
+          <p:cNvSpPr/>
+          <p:nvPr/>
+        </p:nvSpPr>
+        <p:spPr>
+          <a:xfrm>
+            <a:off x="4733342" y="278098"/>
+            <a:ext cx="7215642" cy="6347791"/>
+          </a:xfrm>
+          <a:prstGeom prst="rect">
+            <a:avLst/>
+          </a:prstGeom>
+          <a:ln w="38100">
+            <a:solidFill>
+              <a:schemeClr val="tx1"/>
+            </a:solidFill>
+          </a:ln>
+        </p:spPr>
+        <p:style>
+          <a:lnRef idx="2">
+            <a:schemeClr val="accent1">
+              <a:shade val="50000"/>
+            </a:schemeClr>
+          </a:lnRef>
+          <a:fillRef idx="1">
+            <a:schemeClr val="accent1"/>
+          </a:fillRef>
+          <a:effectRef idx="0">
+            <a:schemeClr val="accent1"/>
+          </a:effectRef>
+          <a:fontRef idx="minor">
+            <a:schemeClr val="lt1"/>
+          </a:fontRef>
+        </p:style>
+        <p:txBody>
+          <a:bodyPr rtlCol="0" anchor="t"/>
+          <a:lstStyle/>
+          <a:p>
+            <a:pPr algn="r"/>
+            <a:r>
+              <a:rPr lang="en-US" dirty="0" smtClean="0"/>
+              <a:t>Linux</a:t>
+            </a:r>
+            <a:endParaRPr lang="en-US" dirty="0"/>
+          </a:p>
+        </p:txBody>
+      </p:sp>
+      <p:sp>
+        <p:nvSpPr>
+          <p:cNvPr id="4" name="Rectangle 3"/>
+          <p:cNvSpPr/>
+          <p:nvPr/>
+        </p:nvSpPr>
+        <p:spPr>
+          <a:xfrm>
+            <a:off x="873960" y="278098"/>
+            <a:ext cx="2465935" cy="6347791"/>
+          </a:xfrm>
+          <a:prstGeom prst="rect">
+            <a:avLst/>
+          </a:prstGeom>
+          <a:ln w="38100">
+            <a:solidFill>
+              <a:schemeClr val="tx1"/>
+            </a:solidFill>
+          </a:ln>
+        </p:spPr>
+        <p:style>
+          <a:lnRef idx="2">
+            <a:schemeClr val="accent1">
+              <a:shade val="50000"/>
+            </a:schemeClr>
+          </a:lnRef>
+          <a:fillRef idx="1">
+            <a:schemeClr val="accent1"/>
+          </a:fillRef>
+          <a:effectRef idx="0">
+            <a:schemeClr val="accent1"/>
+          </a:effectRef>
+          <a:fontRef idx="minor">
+            <a:schemeClr val="lt1"/>
+          </a:fontRef>
+        </p:style>
+        <p:txBody>
+          <a:bodyPr rtlCol="0" anchor="t"/>
+          <a:lstStyle/>
+          <a:p>
+            <a:pPr algn="r"/>
+            <a:r>
+              <a:rPr lang="en-US" dirty="0" smtClean="0"/>
+              <a:t>Browser</a:t>
+            </a:r>
+            <a:endParaRPr lang="en-US" dirty="0"/>
+          </a:p>
+        </p:txBody>
+      </p:sp>
+      <p:sp>
+        <p:nvSpPr>
+          <p:cNvPr id="6" name="Rectangle 5"/>
+          <p:cNvSpPr/>
+          <p:nvPr/>
+        </p:nvSpPr>
+        <p:spPr>
+          <a:xfrm>
+            <a:off x="5987216" y="870579"/>
+            <a:ext cx="5702276" cy="5548575"/>
+          </a:xfrm>
+          <a:prstGeom prst="rect">
+            <a:avLst/>
+          </a:prstGeom>
+          <a:solidFill>
+            <a:srgbClr val="002060"/>
+          </a:solidFill>
+          <a:ln w="38100">
+            <a:solidFill>
+              <a:schemeClr val="bg1"/>
+            </a:solidFill>
+          </a:ln>
+        </p:spPr>
+        <p:style>
+          <a:lnRef idx="2">
+            <a:schemeClr val="accent1">
+              <a:shade val="50000"/>
+            </a:schemeClr>
+          </a:lnRef>
+          <a:fillRef idx="1">
+            <a:schemeClr val="accent1"/>
+          </a:fillRef>
+          <a:effectRef idx="0">
+            <a:schemeClr val="accent1"/>
+          </a:effectRef>
+          <a:fontRef idx="minor">
+            <a:schemeClr val="lt1"/>
+          </a:fontRef>
+        </p:style>
+        <p:txBody>
+          <a:bodyPr rtlCol="0" anchor="t"/>
+          <a:lstStyle/>
+          <a:p>
+            <a:pPr algn="r"/>
+            <a:r>
+              <a:rPr lang="en-US" dirty="0" err="1" smtClean="0"/>
+              <a:t>DJango</a:t>
+            </a:r>
+            <a:endParaRPr lang="en-US" dirty="0"/>
+          </a:p>
+        </p:txBody>
+      </p:sp>
+      <p:sp>
+        <p:nvSpPr>
+          <p:cNvPr id="7" name="TextBox 6"/>
+          <p:cNvSpPr txBox="1"/>
+          <p:nvPr/>
+        </p:nvSpPr>
+        <p:spPr>
+          <a:xfrm>
+            <a:off x="5987216" y="404858"/>
+            <a:ext cx="1295291" cy="369332"/>
+          </a:xfrm>
+          <a:prstGeom prst="rect">
+            <a:avLst/>
+          </a:prstGeom>
+          <a:solidFill>
+            <a:schemeClr val="bg1"/>
+          </a:solidFill>
+        </p:spPr>
+        <p:txBody>
+          <a:bodyPr wrap="none" rtlCol="0">
+            <a:spAutoFit/>
+          </a:bodyPr>
+          <a:lstStyle/>
+          <a:p>
+            <a:r>
+              <a:rPr lang="en-US" dirty="0" err="1" smtClean="0"/>
+              <a:t>WGSIConfig</a:t>
+            </a:r>
+            <a:endParaRPr lang="en-US" dirty="0"/>
+          </a:p>
+        </p:txBody>
+      </p:sp>
+      <p:sp>
+        <p:nvSpPr>
+          <p:cNvPr id="9" name="Rounded Rectangle 8"/>
+          <p:cNvSpPr/>
+          <p:nvPr/>
+        </p:nvSpPr>
+        <p:spPr>
+          <a:xfrm>
+            <a:off x="6347167" y="1101696"/>
+            <a:ext cx="1086678" cy="1033669"/>
+          </a:xfrm>
+          <a:prstGeom prst="roundRect">
+            <a:avLst/>
+          </a:prstGeom>
+          <a:solidFill>
+            <a:srgbClr val="0070C0"/>
+          </a:solidFill>
+        </p:spPr>
+        <p:style>
+          <a:lnRef idx="1">
+            <a:schemeClr val="dk1"/>
+          </a:lnRef>
+          <a:fillRef idx="2">
+            <a:schemeClr val="dk1"/>
+          </a:fillRef>
+          <a:effectRef idx="1">
+            <a:schemeClr val="dk1"/>
+          </a:effectRef>
+          <a:fontRef idx="minor">
+            <a:schemeClr val="dk1"/>
+          </a:fontRef>
+        </p:style>
+        <p:txBody>
+          <a:bodyPr rtlCol="0" anchor="ctr"/>
+          <a:lstStyle/>
+          <a:p>
+            <a:pPr algn="ctr"/>
+            <a:r>
+              <a:rPr lang="en-US" smtClean="0">
+                <a:solidFill>
+                  <a:schemeClr val="tx1"/>
+                </a:solidFill>
+              </a:rPr>
+              <a:t>Routing</a:t>
+            </a:r>
+            <a:endParaRPr lang="en-US">
+              <a:solidFill>
+                <a:schemeClr val="tx1"/>
+              </a:solidFill>
+            </a:endParaRPr>
+          </a:p>
+        </p:txBody>
+      </p:sp>
+      <p:sp>
+        <p:nvSpPr>
+          <p:cNvPr id="10" name="Rounded Rectangle 9"/>
+          <p:cNvSpPr/>
+          <p:nvPr/>
+        </p:nvSpPr>
+        <p:spPr>
+          <a:xfrm>
+            <a:off x="6347167" y="2675805"/>
+            <a:ext cx="1086678" cy="1033669"/>
+          </a:xfrm>
+          <a:prstGeom prst="roundRect">
+            <a:avLst/>
+          </a:prstGeom>
+          <a:solidFill>
+            <a:srgbClr val="FF7F00"/>
+          </a:solidFill>
+        </p:spPr>
+        <p:style>
+          <a:lnRef idx="1">
+            <a:schemeClr val="dk1"/>
+          </a:lnRef>
+          <a:fillRef idx="2">
+            <a:schemeClr val="dk1"/>
+          </a:fillRef>
+          <a:effectRef idx="1">
+            <a:schemeClr val="dk1"/>
+          </a:effectRef>
+          <a:fontRef idx="minor">
+            <a:schemeClr val="dk1"/>
+          </a:fontRef>
+        </p:style>
+        <p:txBody>
+          <a:bodyPr rtlCol="0" anchor="ctr"/>
+          <a:lstStyle/>
+          <a:p>
+            <a:pPr algn="ctr"/>
+            <a:r>
+              <a:rPr lang="en-US" dirty="0" smtClean="0">
+                <a:solidFill>
+                  <a:schemeClr val="bg1"/>
+                </a:solidFill>
+              </a:rPr>
+              <a:t>Views</a:t>
+            </a:r>
+            <a:endParaRPr lang="en-US" dirty="0">
+              <a:solidFill>
+                <a:schemeClr val="bg1"/>
+              </a:solidFill>
+            </a:endParaRPr>
+          </a:p>
+        </p:txBody>
+      </p:sp>
+      <p:sp>
+        <p:nvSpPr>
+          <p:cNvPr id="11" name="Can 10"/>
+          <p:cNvSpPr/>
+          <p:nvPr/>
+        </p:nvSpPr>
+        <p:spPr>
+          <a:xfrm>
+            <a:off x="9813128" y="4173528"/>
+            <a:ext cx="1577009" cy="646266"/>
+          </a:xfrm>
+          <a:prstGeom prst="can">
+            <a:avLst/>
+          </a:prstGeom>
+          <a:solidFill>
+            <a:srgbClr val="0070C0"/>
+          </a:solidFill>
+        </p:spPr>
+        <p:style>
+          <a:lnRef idx="2">
+            <a:schemeClr val="accent1">
+              <a:shade val="50000"/>
+            </a:schemeClr>
+          </a:lnRef>
+          <a:fillRef idx="1">
+            <a:schemeClr val="accent1"/>
+          </a:fillRef>
+          <a:effectRef idx="0">
+            <a:schemeClr val="accent1"/>
+          </a:effectRef>
+          <a:fontRef idx="minor">
+            <a:schemeClr val="lt1"/>
+          </a:fontRef>
+        </p:style>
+        <p:txBody>
+          <a:bodyPr rtlCol="0" anchor="ctr"/>
+          <a:lstStyle/>
+          <a:p>
+            <a:pPr algn="ctr"/>
+            <a:r>
+              <a:rPr lang="en-US" dirty="0" smtClean="0"/>
+              <a:t>Database</a:t>
+            </a:r>
+            <a:endParaRPr lang="en-US" dirty="0"/>
+          </a:p>
+        </p:txBody>
+      </p:sp>
+      <p:sp>
+        <p:nvSpPr>
+          <p:cNvPr id="13" name="Rounded Rectangle 12"/>
+          <p:cNvSpPr/>
+          <p:nvPr/>
+        </p:nvSpPr>
+        <p:spPr>
+          <a:xfrm>
+            <a:off x="10090027" y="2904193"/>
+            <a:ext cx="1367113" cy="516836"/>
+          </a:xfrm>
+          <a:prstGeom prst="roundRect">
+            <a:avLst/>
+          </a:prstGeom>
+        </p:spPr>
+        <p:style>
+          <a:lnRef idx="1">
+            <a:schemeClr val="dk1"/>
+          </a:lnRef>
+          <a:fillRef idx="2">
+            <a:schemeClr val="dk1"/>
+          </a:fillRef>
+          <a:effectRef idx="1">
+            <a:schemeClr val="dk1"/>
+          </a:effectRef>
+          <a:fontRef idx="minor">
+            <a:schemeClr val="dk1"/>
+          </a:fontRef>
+        </p:style>
+        <p:txBody>
+          <a:bodyPr rtlCol="0" anchor="ctr"/>
+          <a:lstStyle/>
+          <a:p>
+            <a:pPr algn="ctr"/>
+            <a:r>
+              <a:rPr lang="en-US" smtClean="0"/>
+              <a:t>Templates</a:t>
+            </a:r>
+            <a:endParaRPr lang="en-US" dirty="0" smtClean="0"/>
+          </a:p>
+        </p:txBody>
+      </p:sp>
+      <p:sp>
+        <p:nvSpPr>
+          <p:cNvPr id="16" name="Rounded Rectangle 15"/>
+          <p:cNvSpPr/>
+          <p:nvPr/>
+        </p:nvSpPr>
+        <p:spPr>
+          <a:xfrm>
+            <a:off x="7933975" y="404637"/>
+            <a:ext cx="1603514" cy="369554"/>
+          </a:xfrm>
+          <a:prstGeom prst="roundRect">
+            <a:avLst/>
+          </a:prstGeom>
+        </p:spPr>
+        <p:style>
+          <a:lnRef idx="1">
+            <a:schemeClr val="dk1"/>
+          </a:lnRef>
+          <a:fillRef idx="2">
+            <a:schemeClr val="dk1"/>
+          </a:fillRef>
+          <a:effectRef idx="1">
+            <a:schemeClr val="dk1"/>
+          </a:effectRef>
+          <a:fontRef idx="minor">
+            <a:schemeClr val="dk1"/>
+          </a:fontRef>
+        </p:style>
+        <p:txBody>
+          <a:bodyPr rtlCol="0" anchor="ctr"/>
+          <a:lstStyle/>
+          <a:p>
+            <a:pPr algn="ctr"/>
+            <a:r>
+              <a:rPr lang="en-US" smtClean="0"/>
+              <a:t>settings.py</a:t>
+            </a:r>
+            <a:endParaRPr lang="en-US" dirty="0"/>
+          </a:p>
+        </p:txBody>
+      </p:sp>
+      <p:cxnSp>
+        <p:nvCxnSpPr>
+          <p:cNvPr id="21" name="Straight Arrow Connector 20"/>
+          <p:cNvCxnSpPr/>
+          <p:nvPr/>
+        </p:nvCxnSpPr>
+        <p:spPr>
+          <a:xfrm flipH="1">
+            <a:off x="7208365" y="589414"/>
+            <a:ext cx="725611" cy="110"/>
+          </a:xfrm>
+          <a:prstGeom prst="straightConnector1">
+            <a:avLst/>
+          </a:prstGeom>
+          <a:ln w="38100">
+            <a:solidFill>
+              <a:schemeClr val="tx1"/>
+            </a:solidFill>
+            <a:tailEnd type="triangle"/>
+          </a:ln>
+        </p:spPr>
+        <p:style>
+          <a:lnRef idx="1">
+            <a:schemeClr val="accent1"/>
+          </a:lnRef>
+          <a:fillRef idx="0">
+            <a:schemeClr val="accent1"/>
+          </a:fillRef>
+          <a:effectRef idx="0">
+            <a:schemeClr val="accent1"/>
+          </a:effectRef>
+          <a:fontRef idx="minor">
+            <a:schemeClr val="tx1"/>
+          </a:fontRef>
+        </p:style>
+      </p:cxnSp>
+      <p:sp>
+        <p:nvSpPr>
+          <p:cNvPr id="23" name="Rectangle 22"/>
+          <p:cNvSpPr/>
+          <p:nvPr/>
+        </p:nvSpPr>
+        <p:spPr>
+          <a:xfrm>
+            <a:off x="4999929" y="404637"/>
+            <a:ext cx="516835" cy="6105958"/>
+          </a:xfrm>
+          <a:prstGeom prst="rect">
+            <a:avLst/>
+          </a:prstGeom>
+          <a:solidFill>
+            <a:srgbClr val="002060"/>
+          </a:solidFill>
+          <a:ln w="38100">
+            <a:solidFill>
+              <a:schemeClr val="bg1"/>
+            </a:solidFill>
+          </a:ln>
+        </p:spPr>
+        <p:style>
+          <a:lnRef idx="2">
+            <a:schemeClr val="accent1">
+              <a:shade val="50000"/>
+            </a:schemeClr>
+          </a:lnRef>
+          <a:fillRef idx="1">
+            <a:schemeClr val="accent1"/>
+          </a:fillRef>
+          <a:effectRef idx="0">
+            <a:schemeClr val="accent1"/>
+          </a:effectRef>
+          <a:fontRef idx="minor">
+            <a:schemeClr val="lt1"/>
+          </a:fontRef>
+        </p:style>
+        <p:txBody>
+          <a:bodyPr rtlCol="0" anchor="b"/>
+          <a:lstStyle/>
+          <a:p>
+            <a:pPr algn="ctr"/>
+            <a:r>
+              <a:rPr lang="en-US" dirty="0" smtClean="0"/>
+              <a:t>N</a:t>
+            </a:r>
+          </a:p>
+          <a:p>
+            <a:pPr algn="ctr"/>
+            <a:r>
+              <a:rPr lang="en-US" dirty="0" smtClean="0"/>
+              <a:t>G</a:t>
+            </a:r>
+          </a:p>
+          <a:p>
+            <a:pPr algn="ctr"/>
+            <a:r>
+              <a:rPr lang="en-US" dirty="0" smtClean="0"/>
+              <a:t>I</a:t>
+            </a:r>
+          </a:p>
+          <a:p>
+            <a:pPr algn="ctr"/>
+            <a:r>
+              <a:rPr lang="en-US" dirty="0" smtClean="0"/>
+              <a:t>N</a:t>
+            </a:r>
+            <a:br>
+              <a:rPr lang="en-US" dirty="0" smtClean="0"/>
+            </a:br>
+            <a:r>
+              <a:rPr lang="en-US" dirty="0" smtClean="0"/>
+              <a:t>X</a:t>
+            </a:r>
+          </a:p>
+          <a:p>
+            <a:pPr algn="ctr"/>
+            <a:endParaRPr lang="en-US" dirty="0"/>
+          </a:p>
+        </p:txBody>
+      </p:sp>
+      <p:cxnSp>
+        <p:nvCxnSpPr>
+          <p:cNvPr id="28" name="Straight Arrow Connector 27"/>
+          <p:cNvCxnSpPr>
+            <a:stCxn id="15" idx="1"/>
+            <a:endCxn id="9" idx="3"/>
+          </p:cNvCxnSpPr>
+          <p:nvPr/>
+        </p:nvCxnSpPr>
+        <p:spPr>
+          <a:xfrm flipH="1">
+            <a:off x="7433845" y="1610800"/>
+            <a:ext cx="1404867" cy="7731"/>
+          </a:xfrm>
+          <a:prstGeom prst="straightConnector1">
+            <a:avLst/>
+          </a:prstGeom>
+          <a:ln w="38100">
+            <a:solidFill>
+              <a:schemeClr val="tx1"/>
+            </a:solidFill>
+            <a:tailEnd type="triangle"/>
+          </a:ln>
+        </p:spPr>
+        <p:style>
+          <a:lnRef idx="1">
+            <a:schemeClr val="accent1"/>
+          </a:lnRef>
+          <a:fillRef idx="0">
+            <a:schemeClr val="accent1"/>
+          </a:fillRef>
+          <a:effectRef idx="0">
+            <a:schemeClr val="accent1"/>
+          </a:effectRef>
+          <a:fontRef idx="minor">
+            <a:schemeClr val="tx1"/>
+          </a:fontRef>
+        </p:style>
+      </p:cxnSp>
+      <p:cxnSp>
+        <p:nvCxnSpPr>
+          <p:cNvPr id="31" name="Straight Arrow Connector 30"/>
+          <p:cNvCxnSpPr>
+            <a:stCxn id="24" idx="1"/>
+            <a:endCxn id="10" idx="3"/>
+          </p:cNvCxnSpPr>
+          <p:nvPr/>
+        </p:nvCxnSpPr>
+        <p:spPr>
+          <a:xfrm flipH="1">
+            <a:off x="7433845" y="2574964"/>
+            <a:ext cx="1025979" cy="617676"/>
+          </a:xfrm>
+          <a:prstGeom prst="straightConnector1">
+            <a:avLst/>
+          </a:prstGeom>
+          <a:ln w="38100">
+            <a:solidFill>
+              <a:schemeClr val="tx1"/>
+            </a:solidFill>
+            <a:tailEnd type="triangle"/>
+          </a:ln>
+        </p:spPr>
+        <p:style>
+          <a:lnRef idx="1">
+            <a:schemeClr val="accent1"/>
+          </a:lnRef>
+          <a:fillRef idx="0">
+            <a:schemeClr val="accent1"/>
+          </a:fillRef>
+          <a:effectRef idx="0">
+            <a:schemeClr val="accent1"/>
+          </a:effectRef>
+          <a:fontRef idx="minor">
+            <a:schemeClr val="tx1"/>
+          </a:fontRef>
+        </p:style>
+      </p:cxnSp>
+      <p:cxnSp>
+        <p:nvCxnSpPr>
+          <p:cNvPr id="34" name="Straight Arrow Connector 33"/>
+          <p:cNvCxnSpPr>
+            <a:stCxn id="13" idx="1"/>
+            <a:endCxn id="10" idx="3"/>
+          </p:cNvCxnSpPr>
+          <p:nvPr/>
+        </p:nvCxnSpPr>
+        <p:spPr>
+          <a:xfrm flipH="1">
+            <a:off x="7433845" y="3162611"/>
+            <a:ext cx="2656182" cy="30029"/>
+          </a:xfrm>
+          <a:prstGeom prst="straightConnector1">
+            <a:avLst/>
+          </a:prstGeom>
+          <a:ln w="38100">
+            <a:solidFill>
+              <a:schemeClr val="tx1"/>
+            </a:solidFill>
+            <a:tailEnd type="triangle"/>
+          </a:ln>
+        </p:spPr>
+        <p:style>
+          <a:lnRef idx="1">
+            <a:schemeClr val="accent1"/>
+          </a:lnRef>
+          <a:fillRef idx="0">
+            <a:schemeClr val="accent1"/>
+          </a:fillRef>
+          <a:effectRef idx="0">
+            <a:schemeClr val="accent1"/>
+          </a:effectRef>
+          <a:fontRef idx="minor">
+            <a:schemeClr val="tx1"/>
+          </a:fontRef>
+        </p:style>
+      </p:cxnSp>
+      <p:cxnSp>
+        <p:nvCxnSpPr>
+          <p:cNvPr id="37" name="Straight Arrow Connector 36"/>
+          <p:cNvCxnSpPr>
+            <a:stCxn id="14" idx="1"/>
+            <a:endCxn id="10" idx="3"/>
+          </p:cNvCxnSpPr>
+          <p:nvPr/>
+        </p:nvCxnSpPr>
+        <p:spPr>
+          <a:xfrm flipH="1" flipV="1">
+            <a:off x="7433845" y="3192640"/>
+            <a:ext cx="1025979" cy="523310"/>
+          </a:xfrm>
+          <a:prstGeom prst="straightConnector1">
+            <a:avLst/>
+          </a:prstGeom>
+          <a:ln w="38100">
+            <a:solidFill>
+              <a:schemeClr val="tx1"/>
+            </a:solidFill>
+            <a:tailEnd type="triangle"/>
+          </a:ln>
+        </p:spPr>
+        <p:style>
+          <a:lnRef idx="1">
+            <a:schemeClr val="accent1"/>
+          </a:lnRef>
+          <a:fillRef idx="0">
+            <a:schemeClr val="accent1"/>
+          </a:fillRef>
+          <a:effectRef idx="0">
+            <a:schemeClr val="accent1"/>
+          </a:effectRef>
+          <a:fontRef idx="minor">
+            <a:schemeClr val="tx1"/>
+          </a:fontRef>
+        </p:style>
+      </p:cxnSp>
+      <p:cxnSp>
+        <p:nvCxnSpPr>
+          <p:cNvPr id="40" name="Straight Arrow Connector 39"/>
+          <p:cNvCxnSpPr>
+            <a:stCxn id="11" idx="2"/>
+            <a:endCxn id="49" idx="3"/>
+          </p:cNvCxnSpPr>
+          <p:nvPr/>
+        </p:nvCxnSpPr>
+        <p:spPr>
+          <a:xfrm flipH="1">
+            <a:off x="9207965" y="4496661"/>
+            <a:ext cx="605163" cy="435308"/>
+          </a:xfrm>
+          <a:prstGeom prst="straightConnector1">
+            <a:avLst/>
+          </a:prstGeom>
+          <a:ln w="38100">
+            <a:solidFill>
+              <a:schemeClr val="tx1"/>
+            </a:solidFill>
+            <a:headEnd type="triangle" w="med" len="med"/>
+            <a:tailEnd type="triangle" w="med" len="med"/>
+          </a:ln>
+        </p:spPr>
+        <p:style>
+          <a:lnRef idx="1">
+            <a:schemeClr val="accent1"/>
+          </a:lnRef>
+          <a:fillRef idx="0">
+            <a:schemeClr val="accent1"/>
+          </a:fillRef>
+          <a:effectRef idx="0">
+            <a:schemeClr val="accent1"/>
+          </a:effectRef>
+          <a:fontRef idx="minor">
+            <a:schemeClr val="tx1"/>
+          </a:fontRef>
+        </p:style>
+      </p:cxnSp>
+      <p:sp>
+        <p:nvSpPr>
+          <p:cNvPr id="15" name="Rounded Rectangle 14"/>
+          <p:cNvSpPr/>
+          <p:nvPr/>
+        </p:nvSpPr>
+        <p:spPr>
+          <a:xfrm>
+            <a:off x="8838712" y="1385733"/>
+            <a:ext cx="1439996" cy="450133"/>
+          </a:xfrm>
+          <a:prstGeom prst="roundRect">
+            <a:avLst/>
+          </a:prstGeom>
+        </p:spPr>
+        <p:style>
+          <a:lnRef idx="1">
+            <a:schemeClr val="dk1"/>
+          </a:lnRef>
+          <a:fillRef idx="2">
+            <a:schemeClr val="dk1"/>
+          </a:fillRef>
+          <a:effectRef idx="1">
+            <a:schemeClr val="dk1"/>
+          </a:effectRef>
+          <a:fontRef idx="minor">
+            <a:schemeClr val="dk1"/>
+          </a:fontRef>
+        </p:style>
+        <p:txBody>
+          <a:bodyPr rtlCol="0" anchor="ctr"/>
+          <a:lstStyle/>
+          <a:p>
+            <a:pPr algn="ctr"/>
+            <a:r>
+              <a:rPr lang="en-US" dirty="0" err="1" smtClean="0"/>
+              <a:t>urls.py</a:t>
+            </a:r>
+            <a:endParaRPr lang="en-US" dirty="0"/>
+          </a:p>
+        </p:txBody>
+      </p:sp>
+      <p:sp>
+        <p:nvSpPr>
+          <p:cNvPr id="24" name="Rounded Rectangle 23"/>
+          <p:cNvSpPr/>
+          <p:nvPr/>
+        </p:nvSpPr>
+        <p:spPr>
+          <a:xfrm>
+            <a:off x="8459824" y="2316546"/>
+            <a:ext cx="1308844" cy="516836"/>
+          </a:xfrm>
+          <a:prstGeom prst="roundRect">
+            <a:avLst/>
+          </a:prstGeom>
+        </p:spPr>
+        <p:style>
+          <a:lnRef idx="1">
+            <a:schemeClr val="dk1"/>
+          </a:lnRef>
+          <a:fillRef idx="2">
+            <a:schemeClr val="dk1"/>
+          </a:fillRef>
+          <a:effectRef idx="1">
+            <a:schemeClr val="dk1"/>
+          </a:effectRef>
+          <a:fontRef idx="minor">
+            <a:schemeClr val="dk1"/>
+          </a:fontRef>
+        </p:style>
+        <p:txBody>
+          <a:bodyPr rtlCol="0" anchor="ctr"/>
+          <a:lstStyle/>
+          <a:p>
+            <a:pPr algn="ctr"/>
+            <a:r>
+              <a:rPr lang="en-US" dirty="0" err="1" smtClean="0"/>
+              <a:t>views.py</a:t>
+            </a:r>
+            <a:endParaRPr lang="en-US" dirty="0" smtClean="0"/>
+          </a:p>
+        </p:txBody>
+      </p:sp>
+      <p:sp>
+        <p:nvSpPr>
+          <p:cNvPr id="14" name="Rounded Rectangle 13"/>
+          <p:cNvSpPr/>
+          <p:nvPr/>
+        </p:nvSpPr>
+        <p:spPr>
+          <a:xfrm>
+            <a:off x="8459824" y="3465107"/>
+            <a:ext cx="1355820" cy="501686"/>
+          </a:xfrm>
+          <a:prstGeom prst="roundRect">
+            <a:avLst/>
+          </a:prstGeom>
+        </p:spPr>
+        <p:style>
+          <a:lnRef idx="1">
+            <a:schemeClr val="dk1"/>
+          </a:lnRef>
+          <a:fillRef idx="2">
+            <a:schemeClr val="dk1"/>
+          </a:fillRef>
+          <a:effectRef idx="1">
+            <a:schemeClr val="dk1"/>
+          </a:effectRef>
+          <a:fontRef idx="minor">
+            <a:schemeClr val="dk1"/>
+          </a:fontRef>
+        </p:style>
+        <p:txBody>
+          <a:bodyPr rtlCol="0" anchor="ctr"/>
+          <a:lstStyle/>
+          <a:p>
+            <a:pPr algn="ctr"/>
+            <a:r>
+              <a:rPr lang="en-US" dirty="0" err="1" smtClean="0"/>
+              <a:t>forms.py</a:t>
+            </a:r>
+            <a:endParaRPr lang="en-US" dirty="0"/>
+          </a:p>
+        </p:txBody>
+      </p:sp>
+      <p:sp>
+        <p:nvSpPr>
+          <p:cNvPr id="49" name="Rounded Rectangle 48"/>
+          <p:cNvSpPr/>
+          <p:nvPr/>
+        </p:nvSpPr>
+        <p:spPr>
+          <a:xfrm>
+            <a:off x="8121287" y="4415134"/>
+            <a:ext cx="1086678" cy="1033669"/>
+          </a:xfrm>
+          <a:prstGeom prst="roundRect">
+            <a:avLst/>
+          </a:prstGeom>
+          <a:solidFill>
+            <a:srgbClr val="0070C0"/>
+          </a:solidFill>
+        </p:spPr>
+        <p:style>
+          <a:lnRef idx="1">
+            <a:schemeClr val="dk1"/>
+          </a:lnRef>
+          <a:fillRef idx="2">
+            <a:schemeClr val="dk1"/>
+          </a:fillRef>
+          <a:effectRef idx="1">
+            <a:schemeClr val="dk1"/>
+          </a:effectRef>
+          <a:fontRef idx="minor">
+            <a:schemeClr val="dk1"/>
+          </a:fontRef>
+        </p:style>
+        <p:txBody>
+          <a:bodyPr rtlCol="0" anchor="ctr"/>
+          <a:lstStyle/>
+          <a:p>
+            <a:pPr algn="ctr"/>
+            <a:r>
+              <a:rPr lang="en-US" dirty="0" smtClean="0">
+                <a:solidFill>
+                  <a:schemeClr val="tx1"/>
+                </a:solidFill>
+              </a:rPr>
+              <a:t>Models</a:t>
+            </a:r>
+            <a:endParaRPr lang="en-US" dirty="0">
+              <a:solidFill>
+                <a:schemeClr val="tx1"/>
+              </a:solidFill>
+            </a:endParaRPr>
+          </a:p>
+        </p:txBody>
+      </p:sp>
+      <p:cxnSp>
+        <p:nvCxnSpPr>
+          <p:cNvPr id="56" name="Straight Arrow Connector 55"/>
+          <p:cNvCxnSpPr>
+            <a:stCxn id="76" idx="1"/>
+            <a:endCxn id="49" idx="3"/>
+          </p:cNvCxnSpPr>
+          <p:nvPr/>
+        </p:nvCxnSpPr>
+        <p:spPr>
+          <a:xfrm flipH="1" flipV="1">
+            <a:off x="9207965" y="4931969"/>
+            <a:ext cx="682363" cy="516834"/>
+          </a:xfrm>
+          <a:prstGeom prst="straightConnector1">
+            <a:avLst/>
+          </a:prstGeom>
+          <a:ln w="38100">
+            <a:solidFill>
+              <a:schemeClr val="tx1"/>
+            </a:solidFill>
+            <a:tailEnd type="triangle"/>
+          </a:ln>
+        </p:spPr>
+        <p:style>
+          <a:lnRef idx="1">
+            <a:schemeClr val="accent1"/>
+          </a:lnRef>
+          <a:fillRef idx="0">
+            <a:schemeClr val="accent1"/>
+          </a:fillRef>
+          <a:effectRef idx="0">
+            <a:schemeClr val="accent1"/>
+          </a:effectRef>
+          <a:fontRef idx="minor">
+            <a:schemeClr val="tx1"/>
+          </a:fontRef>
+        </p:style>
+      </p:cxnSp>
+      <p:cxnSp>
+        <p:nvCxnSpPr>
+          <p:cNvPr id="60" name="Straight Arrow Connector 59"/>
+          <p:cNvCxnSpPr>
+            <a:endCxn id="10" idx="0"/>
+          </p:cNvCxnSpPr>
+          <p:nvPr/>
+        </p:nvCxnSpPr>
+        <p:spPr>
+          <a:xfrm>
+            <a:off x="6890506" y="2135365"/>
+            <a:ext cx="0" cy="540440"/>
+          </a:xfrm>
+          <a:prstGeom prst="straightConnector1">
+            <a:avLst/>
+          </a:prstGeom>
+          <a:ln w="38100">
+            <a:solidFill>
+              <a:srgbClr val="FFFF00"/>
+            </a:solidFill>
+            <a:tailEnd type="triangle"/>
+          </a:ln>
+        </p:spPr>
+        <p:style>
+          <a:lnRef idx="1">
+            <a:schemeClr val="accent1"/>
+          </a:lnRef>
+          <a:fillRef idx="0">
+            <a:schemeClr val="accent1"/>
+          </a:fillRef>
+          <a:effectRef idx="0">
+            <a:schemeClr val="accent1"/>
+          </a:effectRef>
+          <a:fontRef idx="minor">
+            <a:schemeClr val="tx1"/>
+          </a:fontRef>
+        </p:style>
+      </p:cxnSp>
+      <p:cxnSp>
+        <p:nvCxnSpPr>
+          <p:cNvPr id="64" name="Straight Arrow Connector 63"/>
+          <p:cNvCxnSpPr>
+            <a:stCxn id="49" idx="0"/>
+            <a:endCxn id="10" idx="2"/>
+          </p:cNvCxnSpPr>
+          <p:nvPr/>
+        </p:nvCxnSpPr>
+        <p:spPr>
+          <a:xfrm flipH="1" flipV="1">
+            <a:off x="6890506" y="3709474"/>
+            <a:ext cx="1774120" cy="705660"/>
+          </a:xfrm>
+          <a:prstGeom prst="straightConnector1">
+            <a:avLst/>
+          </a:prstGeom>
+          <a:ln w="38100">
+            <a:solidFill>
+              <a:schemeClr val="tx1"/>
+            </a:solidFill>
+            <a:headEnd type="triangle" w="med" len="med"/>
+            <a:tailEnd type="triangle" w="med" len="med"/>
+          </a:ln>
+        </p:spPr>
+        <p:style>
+          <a:lnRef idx="1">
+            <a:schemeClr val="accent1"/>
+          </a:lnRef>
+          <a:fillRef idx="0">
+            <a:schemeClr val="accent1"/>
+          </a:fillRef>
+          <a:effectRef idx="0">
+            <a:schemeClr val="accent1"/>
+          </a:effectRef>
+          <a:fontRef idx="minor">
+            <a:schemeClr val="tx1"/>
+          </a:fontRef>
+        </p:style>
+      </p:cxnSp>
+      <p:sp>
+        <p:nvSpPr>
+          <p:cNvPr id="73" name="Cloud Callout 72"/>
+          <p:cNvSpPr/>
+          <p:nvPr/>
+        </p:nvSpPr>
+        <p:spPr>
+          <a:xfrm>
+            <a:off x="3585593" y="2064215"/>
+            <a:ext cx="934720" cy="653442"/>
+          </a:xfrm>
+          <a:prstGeom prst="cloudCallout">
+            <a:avLst>
+              <a:gd name="adj1" fmla="val 906"/>
+              <a:gd name="adj2" fmla="val -1249"/>
+            </a:avLst>
+          </a:prstGeom>
+          <a:solidFill>
+            <a:schemeClr val="tx1">
+              <a:lumMod val="50000"/>
+              <a:lumOff val="50000"/>
+            </a:schemeClr>
+          </a:solidFill>
+          <a:ln>
+            <a:noFill/>
+          </a:ln>
+        </p:spPr>
+        <p:style>
+          <a:lnRef idx="2">
+            <a:schemeClr val="accent1">
+              <a:shade val="50000"/>
+            </a:schemeClr>
+          </a:lnRef>
+          <a:fillRef idx="1">
+            <a:schemeClr val="accent1"/>
+          </a:fillRef>
+          <a:effectRef idx="0">
+            <a:schemeClr val="accent1"/>
+          </a:effectRef>
+          <a:fontRef idx="minor">
+            <a:schemeClr val="lt1"/>
+          </a:fontRef>
+        </p:style>
+        <p:txBody>
+          <a:bodyPr rtlCol="0" anchor="ctr"/>
+          <a:lstStyle/>
+          <a:p>
+            <a:pPr algn="ctr"/>
+            <a:endParaRPr lang="en-US"/>
+          </a:p>
+        </p:txBody>
+      </p:sp>
+      <p:sp>
+        <p:nvSpPr>
+          <p:cNvPr id="76" name="Rounded Rectangle 75"/>
+          <p:cNvSpPr/>
+          <p:nvPr/>
+        </p:nvSpPr>
+        <p:spPr>
+          <a:xfrm>
+            <a:off x="9890328" y="5197960"/>
+            <a:ext cx="1357391" cy="501686"/>
+          </a:xfrm>
+          <a:prstGeom prst="roundRect">
+            <a:avLst/>
+          </a:prstGeom>
+        </p:spPr>
+        <p:style>
+          <a:lnRef idx="1">
+            <a:schemeClr val="dk1"/>
+          </a:lnRef>
+          <a:fillRef idx="2">
+            <a:schemeClr val="dk1"/>
+          </a:fillRef>
+          <a:effectRef idx="1">
+            <a:schemeClr val="dk1"/>
+          </a:effectRef>
+          <a:fontRef idx="minor">
+            <a:schemeClr val="dk1"/>
+          </a:fontRef>
+        </p:style>
+        <p:txBody>
+          <a:bodyPr rtlCol="0" anchor="ctr"/>
+          <a:lstStyle/>
+          <a:p>
+            <a:pPr algn="ctr"/>
+            <a:r>
+              <a:rPr lang="en-US" dirty="0" err="1" smtClean="0"/>
+              <a:t>model.py</a:t>
+            </a:r>
+            <a:endParaRPr lang="en-US" dirty="0"/>
+          </a:p>
+        </p:txBody>
+      </p:sp>
+      <p:sp>
+        <p:nvSpPr>
+          <p:cNvPr id="77" name="Rectangle 76"/>
+          <p:cNvSpPr/>
+          <p:nvPr/>
+        </p:nvSpPr>
+        <p:spPr>
+          <a:xfrm>
+            <a:off x="1078762" y="404637"/>
+            <a:ext cx="516835" cy="6105958"/>
+          </a:xfrm>
+          <a:prstGeom prst="rect">
+            <a:avLst/>
+          </a:prstGeom>
+          <a:solidFill>
+            <a:srgbClr val="002060"/>
+          </a:solidFill>
+          <a:ln w="38100">
+            <a:solidFill>
+              <a:schemeClr val="bg1"/>
+            </a:solidFill>
+          </a:ln>
+        </p:spPr>
+        <p:style>
+          <a:lnRef idx="2">
+            <a:schemeClr val="accent1">
+              <a:shade val="50000"/>
+            </a:schemeClr>
+          </a:lnRef>
+          <a:fillRef idx="1">
+            <a:schemeClr val="accent1"/>
+          </a:fillRef>
+          <a:effectRef idx="0">
+            <a:schemeClr val="accent1"/>
+          </a:effectRef>
+          <a:fontRef idx="minor">
+            <a:schemeClr val="lt1"/>
+          </a:fontRef>
+        </p:style>
+        <p:txBody>
+          <a:bodyPr rtlCol="0" anchor="ctr"/>
+          <a:lstStyle/>
+          <a:p>
+            <a:pPr algn="ctr"/>
+            <a:r>
+              <a:rPr lang="en-US" dirty="0" smtClean="0"/>
+              <a:t>D</a:t>
+            </a:r>
+          </a:p>
+          <a:p>
+            <a:pPr algn="ctr"/>
+            <a:r>
+              <a:rPr lang="en-US" dirty="0" smtClean="0"/>
+              <a:t>O</a:t>
+            </a:r>
+          </a:p>
+          <a:p>
+            <a:pPr algn="ctr"/>
+            <a:r>
+              <a:rPr lang="en-US" dirty="0" smtClean="0"/>
+              <a:t>M</a:t>
+            </a:r>
+            <a:endParaRPr lang="en-US" dirty="0"/>
+          </a:p>
+        </p:txBody>
+      </p:sp>
+      <p:sp>
+        <p:nvSpPr>
+          <p:cNvPr id="78" name="Rounded Rectangle 77"/>
+          <p:cNvSpPr/>
+          <p:nvPr/>
+        </p:nvSpPr>
+        <p:spPr>
+          <a:xfrm>
+            <a:off x="2088487" y="2703730"/>
+            <a:ext cx="1230519" cy="947790"/>
+          </a:xfrm>
+          <a:prstGeom prst="roundRect">
+            <a:avLst/>
+          </a:prstGeom>
+          <a:solidFill>
+            <a:srgbClr val="002060"/>
+          </a:solidFill>
+          <a:ln>
+            <a:noFill/>
+          </a:ln>
+        </p:spPr>
+        <p:style>
+          <a:lnRef idx="1">
+            <a:schemeClr val="dk1"/>
+          </a:lnRef>
+          <a:fillRef idx="2">
+            <a:schemeClr val="dk1"/>
+          </a:fillRef>
+          <a:effectRef idx="1">
+            <a:schemeClr val="dk1"/>
+          </a:effectRef>
+          <a:fontRef idx="minor">
+            <a:schemeClr val="dk1"/>
+          </a:fontRef>
+        </p:style>
+        <p:txBody>
+          <a:bodyPr rtlCol="0" anchor="ctr"/>
+          <a:lstStyle/>
+          <a:p>
+            <a:pPr algn="ctr"/>
+            <a:r>
+              <a:rPr lang="en-US" dirty="0" smtClean="0">
+                <a:solidFill>
+                  <a:schemeClr val="tx1"/>
+                </a:solidFill>
+              </a:rPr>
+              <a:t>Parse</a:t>
+            </a:r>
+          </a:p>
+          <a:p>
+            <a:pPr algn="ctr"/>
+            <a:r>
+              <a:rPr lang="en-US" dirty="0" smtClean="0">
+                <a:solidFill>
+                  <a:schemeClr val="tx1"/>
+                </a:solidFill>
+              </a:rPr>
+              <a:t>Response</a:t>
+            </a:r>
+            <a:endParaRPr lang="en-US" dirty="0">
+              <a:solidFill>
+                <a:schemeClr val="tx1"/>
+              </a:solidFill>
+            </a:endParaRPr>
+          </a:p>
+        </p:txBody>
+      </p:sp>
+      <p:sp>
+        <p:nvSpPr>
+          <p:cNvPr id="79" name="Rectangle 78"/>
+          <p:cNvSpPr/>
+          <p:nvPr/>
+        </p:nvSpPr>
+        <p:spPr>
+          <a:xfrm>
+            <a:off x="1908003" y="4073744"/>
+            <a:ext cx="1419280" cy="2345410"/>
+          </a:xfrm>
+          <a:prstGeom prst="rect">
+            <a:avLst/>
+          </a:prstGeom>
+          <a:solidFill>
+            <a:schemeClr val="tx1">
+              <a:lumMod val="50000"/>
+            </a:schemeClr>
+          </a:solidFill>
+          <a:ln w="28575">
+            <a:solidFill>
+              <a:schemeClr val="tx1"/>
+            </a:solidFill>
+          </a:ln>
+        </p:spPr>
+        <p:style>
+          <a:lnRef idx="2">
+            <a:schemeClr val="accent1">
+              <a:shade val="50000"/>
+            </a:schemeClr>
+          </a:lnRef>
+          <a:fillRef idx="1">
+            <a:schemeClr val="accent1"/>
+          </a:fillRef>
+          <a:effectRef idx="0">
+            <a:schemeClr val="accent1"/>
+          </a:effectRef>
+          <a:fontRef idx="minor">
+            <a:schemeClr val="lt1"/>
+          </a:fontRef>
+        </p:style>
+        <p:txBody>
+          <a:bodyPr rtlCol="0" anchor="b"/>
+          <a:lstStyle/>
+          <a:p>
+            <a:r>
+              <a:rPr lang="en-US" dirty="0" err="1" smtClean="0"/>
+              <a:t>Javascript</a:t>
+            </a:r>
+            <a:endParaRPr lang="en-US" dirty="0"/>
+          </a:p>
+        </p:txBody>
+      </p:sp>
+      <p:pic>
+        <p:nvPicPr>
+          <p:cNvPr id="81" name="Picture 80"/>
+          <p:cNvPicPr>
+            <a:picLocks noChangeAspect="1"/>
+          </p:cNvPicPr>
+          <p:nvPr/>
+        </p:nvPicPr>
+        <p:blipFill>
+          <a:blip r:embed="rId3">
+            <a:extLst>
+              <a:ext uri="{28A0092B-C50C-407E-A947-70E740481C1C}">
+                <a14:useLocalDpi xmlns:a14="http://schemas.microsoft.com/office/drawing/2010/main" val="0"/>
+              </a:ext>
+            </a:extLst>
+          </a:blip>
+          <a:stretch>
+            <a:fillRect/>
+          </a:stretch>
+        </p:blipFill>
+        <p:spPr>
+          <a:xfrm>
+            <a:off x="-412497" y="2609953"/>
+            <a:ext cx="1473755" cy="1105316"/>
+          </a:xfrm>
+          <a:prstGeom prst="rect">
+            <a:avLst/>
+          </a:prstGeom>
+        </p:spPr>
+      </p:pic>
+      <p:sp>
+        <p:nvSpPr>
+          <p:cNvPr id="41" name="Rounded Rectangle 40"/>
+          <p:cNvSpPr/>
+          <p:nvPr/>
+        </p:nvSpPr>
+        <p:spPr>
+          <a:xfrm>
+            <a:off x="8102028" y="5683135"/>
+            <a:ext cx="1319815" cy="501686"/>
+          </a:xfrm>
+          <a:prstGeom prst="roundRect">
+            <a:avLst/>
+          </a:prstGeom>
+        </p:spPr>
+        <p:style>
+          <a:lnRef idx="1">
+            <a:schemeClr val="dk1"/>
+          </a:lnRef>
+          <a:fillRef idx="2">
+            <a:schemeClr val="dk1"/>
+          </a:fillRef>
+          <a:effectRef idx="1">
+            <a:schemeClr val="dk1"/>
+          </a:effectRef>
+          <a:fontRef idx="minor">
+            <a:schemeClr val="dk1"/>
+          </a:fontRef>
+        </p:style>
+        <p:txBody>
+          <a:bodyPr rtlCol="0" anchor="ctr"/>
+          <a:lstStyle/>
+          <a:p>
+            <a:pPr algn="ctr"/>
+            <a:r>
+              <a:rPr lang="en-US" dirty="0" err="1" smtClean="0"/>
+              <a:t>admin.py</a:t>
+            </a:r>
+            <a:endParaRPr lang="en-US" dirty="0"/>
+          </a:p>
+        </p:txBody>
+      </p:sp>
+      <p:sp>
+        <p:nvSpPr>
+          <p:cNvPr id="39" name="Rounded Rectangle 38"/>
+          <p:cNvSpPr/>
+          <p:nvPr/>
+        </p:nvSpPr>
+        <p:spPr>
+          <a:xfrm>
+            <a:off x="6396262" y="4400416"/>
+            <a:ext cx="1086678" cy="592481"/>
+          </a:xfrm>
+          <a:prstGeom prst="roundRect">
+            <a:avLst/>
+          </a:prstGeom>
+          <a:solidFill>
+            <a:srgbClr val="FF7F00"/>
+          </a:solidFill>
+        </p:spPr>
+        <p:style>
+          <a:lnRef idx="1">
+            <a:schemeClr val="dk1"/>
+          </a:lnRef>
+          <a:fillRef idx="2">
+            <a:schemeClr val="dk1"/>
+          </a:fillRef>
+          <a:effectRef idx="1">
+            <a:schemeClr val="dk1"/>
+          </a:effectRef>
+          <a:fontRef idx="minor">
+            <a:schemeClr val="dk1"/>
+          </a:fontRef>
+        </p:style>
+        <p:txBody>
+          <a:bodyPr rtlCol="0" anchor="ctr"/>
+          <a:lstStyle/>
+          <a:p>
+            <a:pPr algn="ctr"/>
+            <a:r>
+              <a:rPr lang="en-US" dirty="0" smtClean="0">
+                <a:solidFill>
+                  <a:schemeClr val="bg1"/>
+                </a:solidFill>
+              </a:rPr>
+              <a:t>Shell</a:t>
+            </a:r>
+          </a:p>
+        </p:txBody>
+      </p:sp>
+      <p:cxnSp>
+        <p:nvCxnSpPr>
+          <p:cNvPr id="43" name="Straight Arrow Connector 42"/>
+          <p:cNvCxnSpPr>
+            <a:endCxn id="9" idx="1"/>
+          </p:cNvCxnSpPr>
+          <p:nvPr/>
+        </p:nvCxnSpPr>
+        <p:spPr>
+          <a:xfrm>
+            <a:off x="1337179" y="1543199"/>
+            <a:ext cx="5009988" cy="75332"/>
+          </a:xfrm>
+          <a:prstGeom prst="straightConnector1">
+            <a:avLst/>
+          </a:prstGeom>
+          <a:ln w="38100">
+            <a:solidFill>
+              <a:srgbClr val="FFFF00"/>
+            </a:solidFill>
+            <a:tailEnd type="triangle"/>
+          </a:ln>
+        </p:spPr>
+        <p:style>
+          <a:lnRef idx="1">
+            <a:schemeClr val="accent1"/>
+          </a:lnRef>
+          <a:fillRef idx="0">
+            <a:schemeClr val="accent1"/>
+          </a:fillRef>
+          <a:effectRef idx="0">
+            <a:schemeClr val="accent1"/>
+          </a:effectRef>
+          <a:fontRef idx="minor">
+            <a:schemeClr val="tx1"/>
+          </a:fontRef>
+        </p:style>
+      </p:cxnSp>
+      <p:cxnSp>
+        <p:nvCxnSpPr>
+          <p:cNvPr id="44" name="Straight Arrow Connector 43"/>
+          <p:cNvCxnSpPr>
+            <a:stCxn id="10" idx="1"/>
+            <a:endCxn id="78" idx="3"/>
+          </p:cNvCxnSpPr>
+          <p:nvPr/>
+        </p:nvCxnSpPr>
+        <p:spPr>
+          <a:xfrm flipH="1" flipV="1">
+            <a:off x="3319006" y="3177625"/>
+            <a:ext cx="3028161" cy="15015"/>
+          </a:xfrm>
+          <a:prstGeom prst="straightConnector1">
+            <a:avLst/>
+          </a:prstGeom>
+          <a:ln w="38100">
+            <a:solidFill>
+              <a:srgbClr val="FFFF00"/>
+            </a:solidFill>
+            <a:tailEnd type="triangle"/>
+          </a:ln>
+        </p:spPr>
+        <p:style>
+          <a:lnRef idx="1">
+            <a:schemeClr val="accent1"/>
+          </a:lnRef>
+          <a:fillRef idx="0">
+            <a:schemeClr val="accent1"/>
+          </a:fillRef>
+          <a:effectRef idx="0">
+            <a:schemeClr val="accent1"/>
+          </a:effectRef>
+          <a:fontRef idx="minor">
+            <a:schemeClr val="tx1"/>
+          </a:fontRef>
+        </p:style>
+      </p:cxnSp>
+      <p:cxnSp>
+        <p:nvCxnSpPr>
+          <p:cNvPr id="47" name="Straight Arrow Connector 46"/>
+          <p:cNvCxnSpPr>
+            <a:stCxn id="78" idx="1"/>
+            <a:endCxn id="77" idx="3"/>
+          </p:cNvCxnSpPr>
+          <p:nvPr/>
+        </p:nvCxnSpPr>
+        <p:spPr>
+          <a:xfrm flipH="1">
+            <a:off x="1595597" y="3177625"/>
+            <a:ext cx="492890" cy="279991"/>
+          </a:xfrm>
+          <a:prstGeom prst="straightConnector1">
+            <a:avLst/>
+          </a:prstGeom>
+          <a:ln w="38100">
+            <a:solidFill>
+              <a:srgbClr val="FFFF00"/>
+            </a:solidFill>
+            <a:tailEnd type="triangle"/>
+          </a:ln>
+        </p:spPr>
+        <p:style>
+          <a:lnRef idx="1">
+            <a:schemeClr val="accent1"/>
+          </a:lnRef>
+          <a:fillRef idx="0">
+            <a:schemeClr val="accent1"/>
+          </a:fillRef>
+          <a:effectRef idx="0">
+            <a:schemeClr val="accent1"/>
+          </a:effectRef>
+          <a:fontRef idx="minor">
+            <a:schemeClr val="tx1"/>
+          </a:fontRef>
+        </p:style>
+      </p:cxnSp>
+      <p:sp>
+        <p:nvSpPr>
+          <p:cNvPr id="50" name="Rounded Rectangle 49"/>
+          <p:cNvSpPr/>
+          <p:nvPr/>
+        </p:nvSpPr>
+        <p:spPr>
+          <a:xfrm>
+            <a:off x="6428560" y="5430454"/>
+            <a:ext cx="1086678" cy="592481"/>
+          </a:xfrm>
+          <a:prstGeom prst="roundRect">
+            <a:avLst/>
+          </a:prstGeom>
+          <a:solidFill>
+            <a:srgbClr val="FF7F00"/>
+          </a:solidFill>
+        </p:spPr>
+        <p:style>
+          <a:lnRef idx="1">
+            <a:schemeClr val="dk1"/>
+          </a:lnRef>
+          <a:fillRef idx="2">
+            <a:schemeClr val="dk1"/>
+          </a:fillRef>
+          <a:effectRef idx="1">
+            <a:schemeClr val="dk1"/>
+          </a:effectRef>
+          <a:fontRef idx="minor">
+            <a:schemeClr val="dk1"/>
+          </a:fontRef>
+        </p:style>
+        <p:txBody>
+          <a:bodyPr rtlCol="0" anchor="ctr"/>
+          <a:lstStyle/>
+          <a:p>
+            <a:pPr algn="ctr"/>
+            <a:r>
+              <a:rPr lang="en-US" dirty="0" smtClean="0">
+                <a:solidFill>
+                  <a:schemeClr val="bg1"/>
+                </a:solidFill>
+              </a:rPr>
+              <a:t>/admin</a:t>
+            </a:r>
+          </a:p>
+        </p:txBody>
+      </p:sp>
+      <p:cxnSp>
+        <p:nvCxnSpPr>
+          <p:cNvPr id="51" name="Straight Arrow Connector 50"/>
+          <p:cNvCxnSpPr>
+            <a:stCxn id="49" idx="1"/>
+            <a:endCxn id="39" idx="3"/>
+          </p:cNvCxnSpPr>
+          <p:nvPr/>
+        </p:nvCxnSpPr>
+        <p:spPr>
+          <a:xfrm flipH="1" flipV="1">
+            <a:off x="7482940" y="4696657"/>
+            <a:ext cx="638347" cy="235312"/>
+          </a:xfrm>
+          <a:prstGeom prst="straightConnector1">
+            <a:avLst/>
+          </a:prstGeom>
+          <a:ln w="38100">
+            <a:solidFill>
+              <a:schemeClr val="tx1"/>
+            </a:solidFill>
+            <a:tailEnd type="triangle"/>
+          </a:ln>
+        </p:spPr>
+        <p:style>
+          <a:lnRef idx="1">
+            <a:schemeClr val="accent1"/>
+          </a:lnRef>
+          <a:fillRef idx="0">
+            <a:schemeClr val="accent1"/>
+          </a:fillRef>
+          <a:effectRef idx="0">
+            <a:schemeClr val="accent1"/>
+          </a:effectRef>
+          <a:fontRef idx="minor">
+            <a:schemeClr val="tx1"/>
+          </a:fontRef>
+        </p:style>
+      </p:cxnSp>
+      <p:cxnSp>
+        <p:nvCxnSpPr>
+          <p:cNvPr id="54" name="Straight Arrow Connector 53"/>
+          <p:cNvCxnSpPr>
+            <a:stCxn id="49" idx="1"/>
+            <a:endCxn id="50" idx="3"/>
+          </p:cNvCxnSpPr>
+          <p:nvPr/>
+        </p:nvCxnSpPr>
+        <p:spPr>
+          <a:xfrm flipH="1">
+            <a:off x="7515238" y="4931969"/>
+            <a:ext cx="606049" cy="794726"/>
+          </a:xfrm>
+          <a:prstGeom prst="straightConnector1">
+            <a:avLst/>
+          </a:prstGeom>
+          <a:ln w="38100">
+            <a:solidFill>
+              <a:schemeClr val="tx1"/>
+            </a:solidFill>
+            <a:headEnd type="triangle" w="med" len="med"/>
+            <a:tailEnd type="triangle" w="med" len="med"/>
+          </a:ln>
+        </p:spPr>
+        <p:style>
+          <a:lnRef idx="1">
+            <a:schemeClr val="accent1"/>
+          </a:lnRef>
+          <a:fillRef idx="0">
+            <a:schemeClr val="accent1"/>
+          </a:fillRef>
+          <a:effectRef idx="0">
+            <a:schemeClr val="accent1"/>
+          </a:effectRef>
+          <a:fontRef idx="minor">
+            <a:schemeClr val="tx1"/>
+          </a:fontRef>
+        </p:style>
+      </p:cxnSp>
+      <p:cxnSp>
+        <p:nvCxnSpPr>
+          <p:cNvPr id="58" name="Straight Arrow Connector 57"/>
+          <p:cNvCxnSpPr>
+            <a:stCxn id="41" idx="1"/>
+            <a:endCxn id="50" idx="3"/>
+          </p:cNvCxnSpPr>
+          <p:nvPr/>
+        </p:nvCxnSpPr>
+        <p:spPr>
+          <a:xfrm flipH="1" flipV="1">
+            <a:off x="7515238" y="5726695"/>
+            <a:ext cx="586790" cy="207283"/>
+          </a:xfrm>
+          <a:prstGeom prst="straightConnector1">
+            <a:avLst/>
+          </a:prstGeom>
+          <a:ln w="38100">
+            <a:solidFill>
+              <a:schemeClr val="tx1"/>
+            </a:solidFill>
+            <a:tailEnd type="triangle"/>
+          </a:ln>
+        </p:spPr>
+        <p:style>
+          <a:lnRef idx="1">
+            <a:schemeClr val="accent1"/>
+          </a:lnRef>
+          <a:fillRef idx="0">
+            <a:schemeClr val="accent1"/>
+          </a:fillRef>
+          <a:effectRef idx="0">
+            <a:schemeClr val="accent1"/>
+          </a:effectRef>
+          <a:fontRef idx="minor">
+            <a:schemeClr val="tx1"/>
+          </a:fontRef>
+        </p:style>
+      </p:cxnSp>
+      <p:cxnSp>
+        <p:nvCxnSpPr>
+          <p:cNvPr id="84" name="Straight Arrow Connector 83"/>
+          <p:cNvCxnSpPr>
+            <a:stCxn id="76" idx="1"/>
+            <a:endCxn id="41" idx="3"/>
+          </p:cNvCxnSpPr>
+          <p:nvPr/>
+        </p:nvCxnSpPr>
+        <p:spPr>
+          <a:xfrm flipH="1">
+            <a:off x="9421843" y="5448803"/>
+            <a:ext cx="468485" cy="485175"/>
+          </a:xfrm>
+          <a:prstGeom prst="straightConnector1">
+            <a:avLst/>
+          </a:prstGeom>
+          <a:ln w="38100">
+            <a:solidFill>
+              <a:schemeClr val="tx1"/>
+            </a:solidFill>
+            <a:tailEnd type="triangle"/>
+          </a:ln>
+        </p:spPr>
+        <p:style>
+          <a:lnRef idx="1">
+            <a:schemeClr val="accent1"/>
+          </a:lnRef>
+          <a:fillRef idx="0">
+            <a:schemeClr val="accent1"/>
+          </a:fillRef>
+          <a:effectRef idx="0">
+            <a:schemeClr val="accent1"/>
+          </a:effectRef>
+          <a:fontRef idx="minor">
+            <a:schemeClr val="tx1"/>
+          </a:fontRef>
+        </p:style>
+      </p:cxnSp>
+      <p:cxnSp>
+        <p:nvCxnSpPr>
+          <p:cNvPr id="45" name="Straight Arrow Connector 44"/>
+          <p:cNvCxnSpPr>
+            <a:endCxn id="48" idx="2"/>
+          </p:cNvCxnSpPr>
+          <p:nvPr/>
+        </p:nvCxnSpPr>
+        <p:spPr>
+          <a:xfrm flipV="1">
+            <a:off x="691404" y="1668102"/>
+            <a:ext cx="345527" cy="1384558"/>
+          </a:xfrm>
+          <a:prstGeom prst="straightConnector1">
+            <a:avLst/>
+          </a:prstGeom>
+          <a:ln w="38100">
+            <a:solidFill>
+              <a:srgbClr val="FFFF00"/>
+            </a:solidFill>
+            <a:tailEnd type="triangle"/>
+          </a:ln>
+        </p:spPr>
+        <p:style>
+          <a:lnRef idx="1">
+            <a:schemeClr val="accent1"/>
+          </a:lnRef>
+          <a:fillRef idx="0">
+            <a:schemeClr val="accent1"/>
+          </a:fillRef>
+          <a:effectRef idx="0">
+            <a:schemeClr val="accent1"/>
+          </a:effectRef>
+          <a:fontRef idx="minor">
+            <a:schemeClr val="tx1"/>
+          </a:fontRef>
+        </p:style>
+      </p:cxnSp>
+      <p:cxnSp>
+        <p:nvCxnSpPr>
+          <p:cNvPr id="46" name="Straight Arrow Connector 45"/>
+          <p:cNvCxnSpPr>
+            <a:stCxn id="77" idx="1"/>
+          </p:cNvCxnSpPr>
+          <p:nvPr/>
+        </p:nvCxnSpPr>
+        <p:spPr>
+          <a:xfrm flipH="1" flipV="1">
+            <a:off x="669158" y="3052660"/>
+            <a:ext cx="409604" cy="404956"/>
+          </a:xfrm>
+          <a:prstGeom prst="straightConnector1">
+            <a:avLst/>
+          </a:prstGeom>
+          <a:ln w="38100">
+            <a:solidFill>
+              <a:srgbClr val="FFFF00"/>
+            </a:solidFill>
+            <a:tailEnd type="triangle"/>
+          </a:ln>
+        </p:spPr>
+        <p:style>
+          <a:lnRef idx="1">
+            <a:schemeClr val="accent1"/>
+          </a:lnRef>
+          <a:fillRef idx="0">
+            <a:schemeClr val="accent1"/>
+          </a:fillRef>
+          <a:effectRef idx="0">
+            <a:schemeClr val="accent1"/>
+          </a:effectRef>
+          <a:fontRef idx="minor">
+            <a:schemeClr val="tx1"/>
+          </a:fontRef>
+        </p:style>
+      </p:cxnSp>
+      <p:sp>
+        <p:nvSpPr>
+          <p:cNvPr id="48" name="Rounded Rectangle 47"/>
+          <p:cNvSpPr/>
+          <p:nvPr/>
+        </p:nvSpPr>
+        <p:spPr>
+          <a:xfrm>
+            <a:off x="692725" y="1396262"/>
+            <a:ext cx="688412" cy="271840"/>
+          </a:xfrm>
+          <a:prstGeom prst="roundRect">
+            <a:avLst/>
+          </a:prstGeom>
+        </p:spPr>
+        <p:style>
+          <a:lnRef idx="1">
+            <a:schemeClr val="dk1"/>
+          </a:lnRef>
+          <a:fillRef idx="2">
+            <a:schemeClr val="dk1"/>
+          </a:fillRef>
+          <a:effectRef idx="1">
+            <a:schemeClr val="dk1"/>
+          </a:effectRef>
+          <a:fontRef idx="minor">
+            <a:schemeClr val="dk1"/>
+          </a:fontRef>
+        </p:style>
+        <p:txBody>
+          <a:bodyPr rtlCol="0" anchor="ctr"/>
+          <a:lstStyle/>
+          <a:p>
+            <a:pPr algn="ctr"/>
+            <a:r>
+              <a:rPr lang="en-US" dirty="0" smtClean="0"/>
+              <a:t>Click</a:t>
+            </a:r>
+          </a:p>
+        </p:txBody>
+      </p:sp>
+      <p:cxnSp>
+        <p:nvCxnSpPr>
+          <p:cNvPr id="52" name="Straight Arrow Connector 51"/>
+          <p:cNvCxnSpPr/>
+          <p:nvPr/>
+        </p:nvCxnSpPr>
+        <p:spPr>
+          <a:xfrm>
+            <a:off x="6890506" y="2135365"/>
+            <a:ext cx="196094" cy="540440"/>
+          </a:xfrm>
+          <a:prstGeom prst="straightConnector1">
+            <a:avLst/>
+          </a:prstGeom>
+          <a:ln w="38100">
+            <a:solidFill>
+              <a:srgbClr val="FFFF00"/>
+            </a:solidFill>
+            <a:tailEnd type="triangle"/>
+          </a:ln>
+        </p:spPr>
+        <p:style>
+          <a:lnRef idx="1">
+            <a:schemeClr val="accent1"/>
+          </a:lnRef>
+          <a:fillRef idx="0">
+            <a:schemeClr val="accent1"/>
+          </a:fillRef>
+          <a:effectRef idx="0">
+            <a:schemeClr val="accent1"/>
+          </a:effectRef>
+          <a:fontRef idx="minor">
+            <a:schemeClr val="tx1"/>
+          </a:fontRef>
+        </p:style>
+      </p:cxnSp>
+      <p:cxnSp>
+        <p:nvCxnSpPr>
+          <p:cNvPr id="53" name="Straight Arrow Connector 52"/>
+          <p:cNvCxnSpPr/>
+          <p:nvPr/>
+        </p:nvCxnSpPr>
+        <p:spPr>
+          <a:xfrm flipH="1">
+            <a:off x="6629400" y="2135365"/>
+            <a:ext cx="261106" cy="540440"/>
+          </a:xfrm>
+          <a:prstGeom prst="straightConnector1">
+            <a:avLst/>
+          </a:prstGeom>
+          <a:ln w="38100">
+            <a:solidFill>
+              <a:srgbClr val="FFFF00"/>
+            </a:solidFill>
+            <a:tailEnd type="triangle"/>
+          </a:ln>
+        </p:spPr>
+        <p:style>
+          <a:lnRef idx="1">
+            <a:schemeClr val="accent1"/>
+          </a:lnRef>
+          <a:fillRef idx="0">
+            <a:schemeClr val="accent1"/>
+          </a:fillRef>
+          <a:effectRef idx="0">
+            <a:schemeClr val="accent1"/>
+          </a:effectRef>
+          <a:fontRef idx="minor">
+            <a:schemeClr val="tx1"/>
+          </a:fontRef>
+        </p:style>
+      </p:cxnSp>
+    </p:spTree>
+    <p:extLst>
+      <p:ext uri="{BB962C8B-B14F-4D97-AF65-F5344CB8AC3E}">
+        <p14:creationId xmlns:p14="http://schemas.microsoft.com/office/powerpoint/2010/main" val="2112015022"/>
+      </p:ext>
+    </p:extLst>
+  </p:cSld>
+  <p:clrMapOvr>
+    <a:masterClrMapping/>
+  </p:clrMapOvr>
+  <p:timing>
+    <p:tnLst>
+      <p:par>
+        <p:cTn id="1" dur="indefinite" restart="never" nodeType="tmRoot"/>
+      </p:par>
+    </p:tnLst>
+  </p:timing>
+</p:sld>
+</file>
+
+<file path=ppt/slides/slide3.xml><?xml version="1.0" encoding="utf-8"?>
+<p:sld xmlns:a="http://schemas.openxmlformats.org/drawingml/2006/main" xmlns:r="http://schemas.openxmlformats.org/officeDocument/2006/relationships" xmlns:p="http://schemas.openxmlformats.org/presentationml/2006/main">
+  <p:cSld>
+    <p:spTree>
+      <p:nvGrpSpPr>
+        <p:cNvPr id="1" name=""/>
+        <p:cNvGrpSpPr/>
+        <p:nvPr/>
+      </p:nvGrpSpPr>
+      <p:grpSpPr>
+        <a:xfrm>
+          <a:off x="0" y="0"/>
+          <a:ext cx="0" cy="0"/>
+          <a:chOff x="0" y="0"/>
+          <a:chExt cx="0" cy="0"/>
+        </a:xfrm>
+      </p:grpSpPr>
       <p:sp>
         <p:nvSpPr>
           <p:cNvPr id="2" name="Title 1"/>
@@ -3650,7 +5665,7 @@
 </p:sld>
 </file>
 
-<file path=ppt/slides/slide3.xml><?xml version="1.0" encoding="utf-8"?>
+<file path=ppt/slides/slide4.xml><?xml version="1.0" encoding="utf-8"?>
 <p:sld xmlns:a="http://schemas.openxmlformats.org/drawingml/2006/main" xmlns:r="http://schemas.openxmlformats.org/officeDocument/2006/relationships" xmlns:p="http://schemas.openxmlformats.org/presentationml/2006/main">
   <p:cSld>
     <p:spTree>
@@ -3803,7 +5818,7 @@
 </p:sld>
 </file>
 
-<file path=ppt/slides/slide4.xml><?xml version="1.0" encoding="utf-8"?>
+<file path=ppt/slides/slide5.xml><?xml version="1.0" encoding="utf-8"?>
 <p:sld xmlns:a="http://schemas.openxmlformats.org/drawingml/2006/main" xmlns:r="http://schemas.openxmlformats.org/officeDocument/2006/relationships" xmlns:p="http://schemas.openxmlformats.org/presentationml/2006/main">
   <p:cSld>
     <p:spTree>

--- a/lectures/DJ-05-Views-Templates.pptx
+++ b/lectures/DJ-05-Views-Templates.pptx
@@ -5,7 +5,7 @@
     <p:sldMasterId id="2147483660" r:id="rId1"/>
   </p:sldMasterIdLst>
   <p:notesMasterIdLst>
-    <p:notesMasterId r:id="rId22"/>
+    <p:notesMasterId r:id="rId23"/>
   </p:notesMasterIdLst>
   <p:sldIdLst>
     <p:sldId id="258" r:id="rId2"/>
@@ -22,12 +22,13 @@
     <p:sldId id="299" r:id="rId13"/>
     <p:sldId id="292" r:id="rId14"/>
     <p:sldId id="291" r:id="rId15"/>
-    <p:sldId id="293" r:id="rId16"/>
-    <p:sldId id="297" r:id="rId17"/>
-    <p:sldId id="295" r:id="rId18"/>
-    <p:sldId id="294" r:id="rId19"/>
-    <p:sldId id="281" r:id="rId20"/>
-    <p:sldId id="273" r:id="rId21"/>
+    <p:sldId id="300" r:id="rId16"/>
+    <p:sldId id="293" r:id="rId17"/>
+    <p:sldId id="297" r:id="rId18"/>
+    <p:sldId id="295" r:id="rId19"/>
+    <p:sldId id="294" r:id="rId20"/>
+    <p:sldId id="281" r:id="rId21"/>
+    <p:sldId id="273" r:id="rId22"/>
   </p:sldIdLst>
   <p:sldSz cx="12192000" cy="6858000"/>
   <p:notesSz cx="6858000" cy="9144000"/>
@@ -3303,10 +3304,10 @@
           <p:cNvPr id="10" name="Rectangle 9">
             <a:extLst>
               <a:ext uri="{FF2B5EF4-FFF2-40B4-BE49-F238E27FC236}">
-                <a16:creationId xmlns:a16="http://schemas.microsoft.com/office/drawing/2014/main" xmlns="" id="{E20EB187-900F-4AF5-813B-101456D9FD39}"/>
+                <a16:creationId xmlns="" xmlns:a16="http://schemas.microsoft.com/office/drawing/2014/main" id="{E20EB187-900F-4AF5-813B-101456D9FD39}"/>
               </a:ext>
               <a:ext uri="{C183D7F6-B498-43B3-948B-1728B52AA6E4}">
-                <adec:decorative xmlns:adec="http://schemas.microsoft.com/office/drawing/2017/decorative" xmlns="" val="1"/>
+                <adec:decorative xmlns="" xmlns:adec="http://schemas.microsoft.com/office/drawing/2017/decorative" val="1"/>
               </a:ext>
             </a:extLst>
           </p:cNvPr>
@@ -3487,10 +3488,10 @@
           <p:cNvPr id="12" name="Straight Connector 11">
             <a:extLst>
               <a:ext uri="{FF2B5EF4-FFF2-40B4-BE49-F238E27FC236}">
-                <a16:creationId xmlns:a16="http://schemas.microsoft.com/office/drawing/2014/main" xmlns="" id="{624D17C8-E9C2-48A4-AA36-D7048A6CCC41}"/>
+                <a16:creationId xmlns="" xmlns:a16="http://schemas.microsoft.com/office/drawing/2014/main" id="{624D17C8-E9C2-48A4-AA36-D7048A6CCC41}"/>
               </a:ext>
               <a:ext uri="{C183D7F6-B498-43B3-948B-1728B52AA6E4}">
-                <adec:decorative xmlns:adec="http://schemas.microsoft.com/office/drawing/2017/decorative" xmlns="" val="1"/>
+                <adec:decorative xmlns="" xmlns:adec="http://schemas.microsoft.com/office/drawing/2017/decorative" val="1"/>
               </a:ext>
             </a:extLst>
           </p:cNvPr>
@@ -6402,6 +6403,37 @@
           </a:p>
         </p:txBody>
       </p:sp>
+      <p:sp>
+        <p:nvSpPr>
+          <p:cNvPr id="2" name="Title 1"/>
+          <p:cNvSpPr>
+            <a:spLocks noGrp="1"/>
+          </p:cNvSpPr>
+          <p:nvPr>
+            <p:ph type="title"/>
+          </p:nvPr>
+        </p:nvSpPr>
+        <p:spPr>
+          <a:xfrm>
+            <a:off x="7715823" y="564732"/>
+            <a:ext cx="3509211" cy="1325563"/>
+          </a:xfrm>
+        </p:spPr>
+        <p:txBody>
+          <a:bodyPr>
+            <a:normAutofit fontScale="90000"/>
+          </a:bodyPr>
+          <a:lstStyle/>
+          <a:p>
+            <a:pPr algn="ctr"/>
+            <a:r>
+              <a:rPr lang="en-US" dirty="0" smtClean="0"/>
+              <a:t>From the URL to the Template</a:t>
+            </a:r>
+            <a:endParaRPr lang="en-US" dirty="0"/>
+          </a:p>
+        </p:txBody>
+      </p:sp>
     </p:spTree>
     <p:extLst>
       <p:ext uri="{BB962C8B-B14F-4D97-AF65-F5344CB8AC3E}">
@@ -7747,6 +7779,426 @@
       </p:grpSpPr>
       <p:sp>
         <p:nvSpPr>
+          <p:cNvPr id="2" name="Title 1"/>
+          <p:cNvSpPr>
+            <a:spLocks noGrp="1"/>
+          </p:cNvSpPr>
+          <p:nvPr>
+            <p:ph type="title"/>
+          </p:nvPr>
+        </p:nvSpPr>
+        <p:spPr/>
+        <p:txBody>
+          <a:bodyPr/>
+          <a:lstStyle/>
+          <a:p>
+            <a:r>
+              <a:rPr lang="en-US" dirty="0" smtClean="0"/>
+              <a:t>Template Tags</a:t>
+            </a:r>
+            <a:endParaRPr lang="en-US" dirty="0"/>
+          </a:p>
+        </p:txBody>
+      </p:sp>
+      <p:sp>
+        <p:nvSpPr>
+          <p:cNvPr id="3" name="TextBox 2"/>
+          <p:cNvSpPr txBox="1"/>
+          <p:nvPr/>
+        </p:nvSpPr>
+        <p:spPr>
+          <a:xfrm>
+            <a:off x="4747030" y="1610478"/>
+            <a:ext cx="6413935" cy="4832092"/>
+          </a:xfrm>
+          <a:prstGeom prst="rect">
+            <a:avLst/>
+          </a:prstGeom>
+          <a:noFill/>
+        </p:spPr>
+        <p:txBody>
+          <a:bodyPr wrap="none" rtlCol="0">
+            <a:spAutoFit/>
+          </a:bodyPr>
+          <a:lstStyle/>
+          <a:p>
+            <a:r>
+              <a:rPr lang="en-US" sz="2800" b="1" dirty="0" smtClean="0">
+                <a:latin typeface="Courier New" charset="0"/>
+                <a:ea typeface="Courier New" charset="0"/>
+                <a:cs typeface="Courier New" charset="0"/>
+              </a:rPr>
+              <a:t>{{ zap }}</a:t>
+            </a:r>
+          </a:p>
+          <a:p>
+            <a:r>
+              <a:rPr lang="en-US" sz="2800" b="1" dirty="0" smtClean="0">
+                <a:latin typeface="Courier New" charset="0"/>
+                <a:ea typeface="Courier New" charset="0"/>
+                <a:cs typeface="Courier New" charset="0"/>
+              </a:rPr>
+              <a:t>{{ </a:t>
+            </a:r>
+            <a:r>
+              <a:rPr lang="en-US" sz="2800" b="1" dirty="0" err="1" smtClean="0">
+                <a:latin typeface="Courier New" charset="0"/>
+                <a:ea typeface="Courier New" charset="0"/>
+                <a:cs typeface="Courier New" charset="0"/>
+              </a:rPr>
+              <a:t>zap|safe</a:t>
+            </a:r>
+            <a:r>
+              <a:rPr lang="en-US" sz="2800" b="1" dirty="0" smtClean="0">
+                <a:latin typeface="Courier New" charset="0"/>
+                <a:ea typeface="Courier New" charset="0"/>
+                <a:cs typeface="Courier New" charset="0"/>
+              </a:rPr>
+              <a:t> }}</a:t>
+            </a:r>
+          </a:p>
+          <a:p>
+            <a:endParaRPr lang="en-US" sz="2800" b="1" dirty="0" smtClean="0">
+              <a:latin typeface="Courier New" charset="0"/>
+              <a:ea typeface="Courier New" charset="0"/>
+              <a:cs typeface="Courier New" charset="0"/>
+            </a:endParaRPr>
+          </a:p>
+          <a:p>
+            <a:r>
+              <a:rPr lang="en-US" sz="2800" b="1" dirty="0" smtClean="0">
+                <a:latin typeface="Courier New" charset="0"/>
+                <a:ea typeface="Courier New" charset="0"/>
+                <a:cs typeface="Courier New" charset="0"/>
+              </a:rPr>
+              <a:t>{% </a:t>
+            </a:r>
+            <a:r>
+              <a:rPr lang="en-US" sz="2800" b="1" dirty="0" err="1" smtClean="0">
+                <a:latin typeface="Courier New" charset="0"/>
+                <a:ea typeface="Courier New" charset="0"/>
+                <a:cs typeface="Courier New" charset="0"/>
+              </a:rPr>
+              <a:t>url</a:t>
+            </a:r>
+            <a:r>
+              <a:rPr lang="en-US" sz="2800" b="1" dirty="0" smtClean="0">
+                <a:latin typeface="Courier New" charset="0"/>
+                <a:ea typeface="Courier New" charset="0"/>
+                <a:cs typeface="Courier New" charset="0"/>
+              </a:rPr>
+              <a:t> 'cat-detail' </a:t>
+            </a:r>
+            <a:r>
+              <a:rPr lang="en-US" sz="2800" b="1" dirty="0" err="1" smtClean="0">
+                <a:latin typeface="Courier New" charset="0"/>
+                <a:ea typeface="Courier New" charset="0"/>
+                <a:cs typeface="Courier New" charset="0"/>
+              </a:rPr>
+              <a:t>cat.pk</a:t>
+            </a:r>
+            <a:r>
+              <a:rPr lang="en-US" sz="2800" b="1" dirty="0" smtClean="0">
+                <a:latin typeface="Courier New" charset="0"/>
+                <a:ea typeface="Courier New" charset="0"/>
+                <a:cs typeface="Courier New" charset="0"/>
+              </a:rPr>
+              <a:t> %}</a:t>
+            </a:r>
+          </a:p>
+          <a:p>
+            <a:r>
+              <a:rPr lang="en-US" sz="2800" b="1" dirty="0" smtClean="0">
+                <a:latin typeface="Courier New" charset="0"/>
+                <a:ea typeface="Courier New" charset="0"/>
+                <a:cs typeface="Courier New" charset="0"/>
+              </a:rPr>
+              <a:t>{% </a:t>
+            </a:r>
+            <a:r>
+              <a:rPr lang="en-US" sz="2800" b="1" dirty="0" err="1" smtClean="0">
+                <a:latin typeface="Courier New" charset="0"/>
+                <a:ea typeface="Courier New" charset="0"/>
+                <a:cs typeface="Courier New" charset="0"/>
+              </a:rPr>
+              <a:t>author.get_absolute_url</a:t>
+            </a:r>
+            <a:r>
+              <a:rPr lang="en-US" sz="2800" b="1" dirty="0" smtClean="0">
+                <a:latin typeface="Courier New" charset="0"/>
+                <a:ea typeface="Courier New" charset="0"/>
+                <a:cs typeface="Courier New" charset="0"/>
+              </a:rPr>
+              <a:t> %}</a:t>
+            </a:r>
+          </a:p>
+          <a:p>
+            <a:endParaRPr lang="en-US" sz="2800" b="1" dirty="0" smtClean="0">
+              <a:latin typeface="Courier New" charset="0"/>
+              <a:ea typeface="Courier New" charset="0"/>
+              <a:cs typeface="Courier New" charset="0"/>
+            </a:endParaRPr>
+          </a:p>
+          <a:p>
+            <a:r>
+              <a:rPr lang="en-US" sz="2800" b="1" dirty="0" smtClean="0">
+                <a:latin typeface="Courier New" charset="0"/>
+                <a:ea typeface="Courier New" charset="0"/>
+                <a:cs typeface="Courier New" charset="0"/>
+              </a:rPr>
+              <a:t>{% if zap &gt; 100 %}</a:t>
+            </a:r>
+          </a:p>
+          <a:p>
+            <a:r>
+              <a:rPr lang="en-US" sz="2800" b="1" dirty="0" smtClean="0">
+                <a:latin typeface="Courier New" charset="0"/>
+                <a:ea typeface="Courier New" charset="0"/>
+                <a:cs typeface="Courier New" charset="0"/>
+              </a:rPr>
+              <a:t>{% </a:t>
+            </a:r>
+            <a:r>
+              <a:rPr lang="en-US" sz="2800" b="1" dirty="0" err="1" smtClean="0">
+                <a:latin typeface="Courier New" charset="0"/>
+                <a:ea typeface="Courier New" charset="0"/>
+                <a:cs typeface="Courier New" charset="0"/>
+              </a:rPr>
+              <a:t>endif</a:t>
+            </a:r>
+            <a:r>
+              <a:rPr lang="en-US" sz="2800" b="1" dirty="0" smtClean="0">
+                <a:latin typeface="Courier New" charset="0"/>
+                <a:ea typeface="Courier New" charset="0"/>
+                <a:cs typeface="Courier New" charset="0"/>
+              </a:rPr>
+              <a:t> %}</a:t>
+            </a:r>
+          </a:p>
+          <a:p>
+            <a:endParaRPr lang="en-US" sz="2800" b="1" dirty="0" smtClean="0">
+              <a:latin typeface="Courier New" charset="0"/>
+              <a:ea typeface="Courier New" charset="0"/>
+              <a:cs typeface="Courier New" charset="0"/>
+            </a:endParaRPr>
+          </a:p>
+          <a:p>
+            <a:r>
+              <a:rPr lang="en-US" sz="2800" b="1" dirty="0" smtClean="0">
+                <a:latin typeface="Courier New" charset="0"/>
+                <a:ea typeface="Courier New" charset="0"/>
+                <a:cs typeface="Courier New" charset="0"/>
+              </a:rPr>
+              <a:t>{% block content %}</a:t>
+            </a:r>
+          </a:p>
+          <a:p>
+            <a:r>
+              <a:rPr lang="en-US" sz="2800" b="1" dirty="0" smtClean="0">
+                <a:latin typeface="Courier New" charset="0"/>
+                <a:ea typeface="Courier New" charset="0"/>
+                <a:cs typeface="Courier New" charset="0"/>
+              </a:rPr>
+              <a:t>{% </a:t>
+            </a:r>
+            <a:r>
+              <a:rPr lang="en-US" sz="2800" b="1" dirty="0" err="1" smtClean="0">
+                <a:latin typeface="Courier New" charset="0"/>
+                <a:ea typeface="Courier New" charset="0"/>
+                <a:cs typeface="Courier New" charset="0"/>
+              </a:rPr>
+              <a:t>endblock</a:t>
+            </a:r>
+            <a:r>
+              <a:rPr lang="en-US" sz="2800" b="1" dirty="0" smtClean="0">
+                <a:latin typeface="Courier New" charset="0"/>
+                <a:ea typeface="Courier New" charset="0"/>
+                <a:cs typeface="Courier New" charset="0"/>
+              </a:rPr>
+              <a:t> %}</a:t>
+            </a:r>
+            <a:endParaRPr lang="en-US" sz="2800" b="1" dirty="0">
+              <a:latin typeface="Courier New" charset="0"/>
+              <a:ea typeface="Courier New" charset="0"/>
+              <a:cs typeface="Courier New" charset="0"/>
+            </a:endParaRPr>
+          </a:p>
+        </p:txBody>
+      </p:sp>
+      <p:sp>
+        <p:nvSpPr>
+          <p:cNvPr id="4" name="TextBox 3"/>
+          <p:cNvSpPr txBox="1"/>
+          <p:nvPr/>
+        </p:nvSpPr>
+        <p:spPr>
+          <a:xfrm>
+            <a:off x="2028802" y="1825921"/>
+            <a:ext cx="2005164" cy="4401205"/>
+          </a:xfrm>
+          <a:prstGeom prst="rect">
+            <a:avLst/>
+          </a:prstGeom>
+          <a:noFill/>
+        </p:spPr>
+        <p:txBody>
+          <a:bodyPr wrap="none" rtlCol="0">
+            <a:spAutoFit/>
+          </a:bodyPr>
+          <a:lstStyle/>
+          <a:p>
+            <a:pPr algn="r"/>
+            <a:r>
+              <a:rPr lang="en-US" sz="2800" b="1" dirty="0" smtClean="0">
+                <a:solidFill>
+                  <a:srgbClr val="FFFF00"/>
+                </a:solidFill>
+                <a:ea typeface="Courier New" charset="0"/>
+                <a:cs typeface="Courier New" charset="0"/>
+              </a:rPr>
+              <a:t>Substitution</a:t>
+            </a:r>
+          </a:p>
+          <a:p>
+            <a:pPr algn="r"/>
+            <a:endParaRPr lang="en-US" sz="2800" b="1" dirty="0">
+              <a:solidFill>
+                <a:srgbClr val="FFFF00"/>
+              </a:solidFill>
+              <a:ea typeface="Courier New" charset="0"/>
+              <a:cs typeface="Courier New" charset="0"/>
+            </a:endParaRPr>
+          </a:p>
+          <a:p>
+            <a:pPr algn="r"/>
+            <a:endParaRPr lang="en-US" sz="2800" b="1" dirty="0" smtClean="0">
+              <a:solidFill>
+                <a:srgbClr val="FFFF00"/>
+              </a:solidFill>
+              <a:ea typeface="Courier New" charset="0"/>
+              <a:cs typeface="Courier New" charset="0"/>
+            </a:endParaRPr>
+          </a:p>
+          <a:p>
+            <a:pPr algn="r"/>
+            <a:r>
+              <a:rPr lang="en-US" sz="2800" b="1" dirty="0" smtClean="0">
+                <a:solidFill>
+                  <a:srgbClr val="FFFF00"/>
+                </a:solidFill>
+                <a:ea typeface="Courier New" charset="0"/>
+                <a:cs typeface="Courier New" charset="0"/>
+              </a:rPr>
+              <a:t>Calling code</a:t>
+            </a:r>
+          </a:p>
+          <a:p>
+            <a:pPr algn="r"/>
+            <a:endParaRPr lang="en-US" sz="2800" b="1" dirty="0">
+              <a:solidFill>
+                <a:srgbClr val="FFFF00"/>
+              </a:solidFill>
+              <a:ea typeface="Courier New" charset="0"/>
+              <a:cs typeface="Courier New" charset="0"/>
+            </a:endParaRPr>
+          </a:p>
+          <a:p>
+            <a:pPr algn="r"/>
+            <a:endParaRPr lang="en-US" sz="2800" b="1" dirty="0" smtClean="0">
+              <a:solidFill>
+                <a:srgbClr val="FFFF00"/>
+              </a:solidFill>
+              <a:ea typeface="Courier New" charset="0"/>
+              <a:cs typeface="Courier New" charset="0"/>
+            </a:endParaRPr>
+          </a:p>
+          <a:p>
+            <a:pPr algn="r"/>
+            <a:r>
+              <a:rPr lang="en-US" sz="2800" b="1" dirty="0" smtClean="0">
+                <a:solidFill>
+                  <a:srgbClr val="FFFF00"/>
+                </a:solidFill>
+                <a:ea typeface="Courier New" charset="0"/>
+                <a:cs typeface="Courier New" charset="0"/>
+              </a:rPr>
+              <a:t>Logic</a:t>
+            </a:r>
+          </a:p>
+          <a:p>
+            <a:pPr algn="r"/>
+            <a:endParaRPr lang="en-US" sz="2800" b="1" dirty="0">
+              <a:solidFill>
+                <a:srgbClr val="FFFF00"/>
+              </a:solidFill>
+              <a:ea typeface="Courier New" charset="0"/>
+              <a:cs typeface="Courier New" charset="0"/>
+            </a:endParaRPr>
+          </a:p>
+          <a:p>
+            <a:pPr algn="r"/>
+            <a:endParaRPr lang="en-US" sz="2800" b="1" dirty="0" smtClean="0">
+              <a:solidFill>
+                <a:srgbClr val="FFFF00"/>
+              </a:solidFill>
+              <a:ea typeface="Courier New" charset="0"/>
+              <a:cs typeface="Courier New" charset="0"/>
+            </a:endParaRPr>
+          </a:p>
+          <a:p>
+            <a:pPr algn="r"/>
+            <a:r>
+              <a:rPr lang="en-US" sz="2800" b="1" dirty="0" smtClean="0">
+                <a:solidFill>
+                  <a:srgbClr val="FFFF00"/>
+                </a:solidFill>
+                <a:ea typeface="Courier New" charset="0"/>
+                <a:cs typeface="Courier New" charset="0"/>
+              </a:rPr>
+              <a:t>Blocks</a:t>
+            </a:r>
+            <a:endParaRPr lang="en-US" sz="2800" b="1" dirty="0">
+              <a:solidFill>
+                <a:srgbClr val="FFFF00"/>
+              </a:solidFill>
+              <a:ea typeface="Courier New" charset="0"/>
+              <a:cs typeface="Courier New" charset="0"/>
+            </a:endParaRPr>
+          </a:p>
+        </p:txBody>
+      </p:sp>
+    </p:spTree>
+    <p:extLst>
+      <p:ext uri="{BB962C8B-B14F-4D97-AF65-F5344CB8AC3E}">
+        <p14:creationId xmlns:p14="http://schemas.microsoft.com/office/powerpoint/2010/main" val="356730904"/>
+      </p:ext>
+    </p:extLst>
+  </p:cSld>
+  <p:clrMapOvr>
+    <a:masterClrMapping/>
+  </p:clrMapOvr>
+</p:sld>
+</file>
+
+<file path=ppt/slides/slide16.xml><?xml version="1.0" encoding="utf-8"?>
+<p:sld xmlns:a="http://schemas.openxmlformats.org/drawingml/2006/main" xmlns:r="http://schemas.openxmlformats.org/officeDocument/2006/relationships" xmlns:p="http://schemas.openxmlformats.org/presentationml/2006/main">
+  <p:cSld>
+    <p:spTree>
+      <p:nvGrpSpPr>
+        <p:cNvPr id="1" name=""/>
+        <p:cNvGrpSpPr/>
+        <p:nvPr/>
+      </p:nvGrpSpPr>
+      <p:grpSpPr>
+        <a:xfrm>
+          <a:off x="0" y="0"/>
+          <a:ext cx="0" cy="0"/>
+          <a:chOff x="0" y="0"/>
+          <a:chExt cx="0" cy="0"/>
+        </a:xfrm>
+      </p:grpSpPr>
+      <p:sp>
+        <p:nvSpPr>
           <p:cNvPr id="2" name="TextBox 1"/>
           <p:cNvSpPr txBox="1"/>
           <p:nvPr/>
@@ -9298,7 +9750,7 @@
 </p:sld>
 </file>
 
-<file path=ppt/slides/slide16.xml><?xml version="1.0" encoding="utf-8"?>
+<file path=ppt/slides/slide17.xml><?xml version="1.0" encoding="utf-8"?>
 <p:sld xmlns:a="http://schemas.openxmlformats.org/drawingml/2006/main" xmlns:r="http://schemas.openxmlformats.org/officeDocument/2006/relationships" xmlns:p="http://schemas.openxmlformats.org/presentationml/2006/main">
   <p:cSld>
     <p:spTree>
@@ -9821,7 +10273,7 @@
 </p:sld>
 </file>
 
-<file path=ppt/slides/slide17.xml><?xml version="1.0" encoding="utf-8"?>
+<file path=ppt/slides/slide18.xml><?xml version="1.0" encoding="utf-8"?>
 <p:sld xmlns:a="http://schemas.openxmlformats.org/drawingml/2006/main" xmlns:r="http://schemas.openxmlformats.org/officeDocument/2006/relationships" xmlns:p="http://schemas.openxmlformats.org/presentationml/2006/main">
   <p:cSld>
     <p:spTree>
@@ -11987,7 +12439,7 @@
 </p:sld>
 </file>
 
-<file path=ppt/slides/slide18.xml><?xml version="1.0" encoding="utf-8"?>
+<file path=ppt/slides/slide19.xml><?xml version="1.0" encoding="utf-8"?>
 <p:sld xmlns:a="http://schemas.openxmlformats.org/drawingml/2006/main" xmlns:r="http://schemas.openxmlformats.org/officeDocument/2006/relationships" xmlns:p="http://schemas.openxmlformats.org/presentationml/2006/main">
   <p:cSld>
     <p:spTree>
@@ -12090,150 +12542,6 @@
   <p:clrMapOvr>
     <a:masterClrMapping/>
   </p:clrMapOvr>
-</p:sld>
-</file>
-
-<file path=ppt/slides/slide19.xml><?xml version="1.0" encoding="utf-8"?>
-<p:sld xmlns:a="http://schemas.openxmlformats.org/drawingml/2006/main" xmlns:r="http://schemas.openxmlformats.org/officeDocument/2006/relationships" xmlns:p="http://schemas.openxmlformats.org/presentationml/2006/main">
-  <p:cSld>
-    <p:spTree>
-      <p:nvGrpSpPr>
-        <p:cNvPr id="1" name=""/>
-        <p:cNvGrpSpPr/>
-        <p:nvPr/>
-      </p:nvGrpSpPr>
-      <p:grpSpPr>
-        <a:xfrm>
-          <a:off x="0" y="0"/>
-          <a:ext cx="0" cy="0"/>
-          <a:chOff x="0" y="0"/>
-          <a:chExt cx="0" cy="0"/>
-        </a:xfrm>
-      </p:grpSpPr>
-      <p:sp>
-        <p:nvSpPr>
-          <p:cNvPr id="27649" name="Rectangle 1"/>
-          <p:cNvSpPr>
-            <a:spLocks noGrp="1" noChangeArrowheads="1"/>
-          </p:cNvSpPr>
-          <p:nvPr>
-            <p:ph type="title"/>
-          </p:nvPr>
-        </p:nvSpPr>
-        <p:spPr/>
-        <p:txBody>
-          <a:bodyPr/>
-          <a:lstStyle/>
-          <a:p>
-            <a:pPr eaLnBrk="1" hangingPunct="1">
-              <a:defRPr/>
-            </a:pPr>
-            <a:r>
-              <a:rPr lang="en-US" altLang="x-none" dirty="0" smtClean="0">
-                <a:solidFill>
-                  <a:srgbClr val="FFFF00"/>
-                </a:solidFill>
-              </a:rPr>
-              <a:t>Summary</a:t>
-            </a:r>
-          </a:p>
-        </p:txBody>
-      </p:sp>
-      <p:sp>
-        <p:nvSpPr>
-          <p:cNvPr id="27650" name="Rectangle 2"/>
-          <p:cNvSpPr>
-            <a:spLocks noGrp="1" noChangeArrowheads="1"/>
-          </p:cNvSpPr>
-          <p:nvPr>
-            <p:ph type="body" idx="1"/>
-          </p:nvPr>
-        </p:nvSpPr>
-        <p:spPr/>
-        <p:txBody>
-          <a:bodyPr/>
-          <a:lstStyle/>
-          <a:p>
-            <a:pPr marL="385365">
-              <a:defRPr/>
-            </a:pPr>
-            <a:r>
-              <a:rPr lang="en-US" altLang="x-none" dirty="0" smtClean="0"/>
-              <a:t>Views are where we bring the application components together to handle requests from browsers and produce responses for the browsers</a:t>
-            </a:r>
-          </a:p>
-          <a:p>
-            <a:pPr marL="385365">
-              <a:defRPr/>
-            </a:pPr>
-            <a:r>
-              <a:rPr lang="en-US" altLang="x-none" dirty="0" smtClean="0"/>
-              <a:t>Templates take a context and merge it into a template to produce HTML</a:t>
-            </a:r>
-          </a:p>
-          <a:p>
-            <a:pPr marL="842565" lvl="1">
-              <a:defRPr/>
-            </a:pPr>
-            <a:r>
-              <a:rPr lang="en-US" altLang="x-none" dirty="0" smtClean="0"/>
-              <a:t>Values can be substituted without without "escaping"</a:t>
-            </a:r>
-          </a:p>
-          <a:p>
-            <a:pPr marL="842565" lvl="1">
-              <a:defRPr/>
-            </a:pPr>
-            <a:r>
-              <a:rPr lang="en-US" altLang="x-none" dirty="0" smtClean="0"/>
-              <a:t>Conditional</a:t>
-            </a:r>
-          </a:p>
-          <a:p>
-            <a:pPr marL="842565" lvl="1">
-              <a:defRPr/>
-            </a:pPr>
-            <a:r>
-              <a:rPr lang="en-US" altLang="x-none" dirty="0" smtClean="0"/>
-              <a:t>Looping</a:t>
-            </a:r>
-          </a:p>
-          <a:p>
-            <a:pPr marL="842565" lvl="1">
-              <a:defRPr/>
-            </a:pPr>
-            <a:r>
-              <a:rPr lang="en-US" altLang="x-none" dirty="0" smtClean="0"/>
-              <a:t>Inheritance between templates</a:t>
-            </a:r>
-          </a:p>
-        </p:txBody>
-      </p:sp>
-    </p:spTree>
-    <p:extLst>
-      <p:ext uri="{BB962C8B-B14F-4D97-AF65-F5344CB8AC3E}">
-        <p14:creationId xmlns:p14="http://schemas.microsoft.com/office/powerpoint/2010/main" val="188513069"/>
-      </p:ext>
-    </p:extLst>
-  </p:cSld>
-  <p:clrMapOvr>
-    <a:masterClrMapping/>
-  </p:clrMapOvr>
-  <mc:AlternateContent xmlns:mc="http://schemas.openxmlformats.org/markup-compatibility/2006" xmlns:p14="http://schemas.microsoft.com/office/powerpoint/2010/main">
-    <mc:Choice Requires="p14">
-      <p:transition spd="slow" p14:dur="2000"/>
-    </mc:Choice>
-    <mc:Fallback xmlns="">
-      <p:transition spd="slow"/>
-    </mc:Fallback>
-  </mc:AlternateContent>
-  <p:timing>
-    <p:tnLst>
-      <p:par>
-        <p:cTn id="1" dur="indefinite" restart="never" nodeType="tmRoot"/>
-      </p:par>
-    </p:tnLst>
-  </p:timing>
 </p:sld>
 </file>
 
@@ -14245,6 +14553,150 @@
 </file>
 
 <file path=ppt/slides/slide20.xml><?xml version="1.0" encoding="utf-8"?>
+<p:sld xmlns:a="http://schemas.openxmlformats.org/drawingml/2006/main" xmlns:r="http://schemas.openxmlformats.org/officeDocument/2006/relationships" xmlns:p="http://schemas.openxmlformats.org/presentationml/2006/main">
+  <p:cSld>
+    <p:spTree>
+      <p:nvGrpSpPr>
+        <p:cNvPr id="1" name=""/>
+        <p:cNvGrpSpPr/>
+        <p:nvPr/>
+      </p:nvGrpSpPr>
+      <p:grpSpPr>
+        <a:xfrm>
+          <a:off x="0" y="0"/>
+          <a:ext cx="0" cy="0"/>
+          <a:chOff x="0" y="0"/>
+          <a:chExt cx="0" cy="0"/>
+        </a:xfrm>
+      </p:grpSpPr>
+      <p:sp>
+        <p:nvSpPr>
+          <p:cNvPr id="27649" name="Rectangle 1"/>
+          <p:cNvSpPr>
+            <a:spLocks noGrp="1" noChangeArrowheads="1"/>
+          </p:cNvSpPr>
+          <p:nvPr>
+            <p:ph type="title"/>
+          </p:nvPr>
+        </p:nvSpPr>
+        <p:spPr/>
+        <p:txBody>
+          <a:bodyPr/>
+          <a:lstStyle/>
+          <a:p>
+            <a:pPr eaLnBrk="1" hangingPunct="1">
+              <a:defRPr/>
+            </a:pPr>
+            <a:r>
+              <a:rPr lang="en-US" altLang="x-none" dirty="0" smtClean="0">
+                <a:solidFill>
+                  <a:srgbClr val="FFFF00"/>
+                </a:solidFill>
+              </a:rPr>
+              <a:t>Summary</a:t>
+            </a:r>
+          </a:p>
+        </p:txBody>
+      </p:sp>
+      <p:sp>
+        <p:nvSpPr>
+          <p:cNvPr id="27650" name="Rectangle 2"/>
+          <p:cNvSpPr>
+            <a:spLocks noGrp="1" noChangeArrowheads="1"/>
+          </p:cNvSpPr>
+          <p:nvPr>
+            <p:ph type="body" idx="1"/>
+          </p:nvPr>
+        </p:nvSpPr>
+        <p:spPr/>
+        <p:txBody>
+          <a:bodyPr/>
+          <a:lstStyle/>
+          <a:p>
+            <a:pPr marL="385365">
+              <a:defRPr/>
+            </a:pPr>
+            <a:r>
+              <a:rPr lang="en-US" altLang="x-none" dirty="0" smtClean="0"/>
+              <a:t>Views are where we bring the application components together to handle requests from browsers and produce responses for the browsers</a:t>
+            </a:r>
+          </a:p>
+          <a:p>
+            <a:pPr marL="385365">
+              <a:defRPr/>
+            </a:pPr>
+            <a:r>
+              <a:rPr lang="en-US" altLang="x-none" dirty="0" smtClean="0"/>
+              <a:t>Templates take a context and merge it into a template to produce HTML</a:t>
+            </a:r>
+          </a:p>
+          <a:p>
+            <a:pPr marL="842565" lvl="1">
+              <a:defRPr/>
+            </a:pPr>
+            <a:r>
+              <a:rPr lang="en-US" altLang="x-none" dirty="0" smtClean="0"/>
+              <a:t>Values can be substituted without without "escaping"</a:t>
+            </a:r>
+          </a:p>
+          <a:p>
+            <a:pPr marL="842565" lvl="1">
+              <a:defRPr/>
+            </a:pPr>
+            <a:r>
+              <a:rPr lang="en-US" altLang="x-none" dirty="0" smtClean="0"/>
+              <a:t>Conditional</a:t>
+            </a:r>
+          </a:p>
+          <a:p>
+            <a:pPr marL="842565" lvl="1">
+              <a:defRPr/>
+            </a:pPr>
+            <a:r>
+              <a:rPr lang="en-US" altLang="x-none" dirty="0" smtClean="0"/>
+              <a:t>Looping</a:t>
+            </a:r>
+          </a:p>
+          <a:p>
+            <a:pPr marL="842565" lvl="1">
+              <a:defRPr/>
+            </a:pPr>
+            <a:r>
+              <a:rPr lang="en-US" altLang="x-none" dirty="0" smtClean="0"/>
+              <a:t>Inheritance between templates</a:t>
+            </a:r>
+          </a:p>
+        </p:txBody>
+      </p:sp>
+    </p:spTree>
+    <p:extLst>
+      <p:ext uri="{BB962C8B-B14F-4D97-AF65-F5344CB8AC3E}">
+        <p14:creationId xmlns:p14="http://schemas.microsoft.com/office/powerpoint/2010/main" val="188513069"/>
+      </p:ext>
+    </p:extLst>
+  </p:cSld>
+  <p:clrMapOvr>
+    <a:masterClrMapping/>
+  </p:clrMapOvr>
+  <mc:AlternateContent xmlns:mc="http://schemas.openxmlformats.org/markup-compatibility/2006" xmlns:p14="http://schemas.microsoft.com/office/powerpoint/2010/main">
+    <mc:Choice Requires="p14">
+      <p:transition spd="slow" p14:dur="2000"/>
+    </mc:Choice>
+    <mc:Fallback xmlns="">
+      <p:transition spd="slow"/>
+    </mc:Fallback>
+  </mc:AlternateContent>
+  <p:timing>
+    <p:tnLst>
+      <p:par>
+        <p:cTn id="1" dur="indefinite" restart="never" nodeType="tmRoot"/>
+      </p:par>
+    </p:tnLst>
+  </p:timing>
+</p:sld>
+</file>
+
+<file path=ppt/slides/slide21.xml><?xml version="1.0" encoding="utf-8"?>
 <p:sld xmlns:a="http://schemas.openxmlformats.org/drawingml/2006/main" xmlns:r="http://schemas.openxmlformats.org/officeDocument/2006/relationships" xmlns:p="http://schemas.openxmlformats.org/presentationml/2006/main">
   <p:cSld>
     <p:spTree>

--- a/lectures/DJ-05-Views-Templates.pptx
+++ b/lectures/DJ-05-Views-Templates.pptx
@@ -217,7 +217,7 @@
           <a:p>
             <a:fld id="{C97B56FC-7D2E-F343-9D09-0D14B00AA564}" type="datetimeFigureOut">
               <a:rPr lang="en-US" smtClean="0"/>
-              <a:t>2/8/19</a:t>
+              <a:t>9/20/19</a:t>
             </a:fld>
             <a:endParaRPr lang="en-US"/>
           </a:p>
@@ -616,7 +616,7 @@
           <a:p>
             <a:fld id="{EEE7C04C-7AF8-1445-A186-502B631B934F}" type="datetimeFigureOut">
               <a:rPr lang="en-US" smtClean="0"/>
-              <a:t>2/8/19</a:t>
+              <a:t>9/20/19</a:t>
             </a:fld>
             <a:endParaRPr lang="en-US"/>
           </a:p>
@@ -781,7 +781,7 @@
           <a:p>
             <a:fld id="{EEE7C04C-7AF8-1445-A186-502B631B934F}" type="datetimeFigureOut">
               <a:rPr lang="en-US" smtClean="0"/>
-              <a:t>2/8/19</a:t>
+              <a:t>9/20/19</a:t>
             </a:fld>
             <a:endParaRPr lang="en-US"/>
           </a:p>
@@ -956,7 +956,7 @@
           <a:p>
             <a:fld id="{EEE7C04C-7AF8-1445-A186-502B631B934F}" type="datetimeFigureOut">
               <a:rPr lang="en-US" smtClean="0"/>
-              <a:t>2/8/19</a:t>
+              <a:t>9/20/19</a:t>
             </a:fld>
             <a:endParaRPr lang="en-US"/>
           </a:p>
@@ -1121,7 +1121,7 @@
           <a:p>
             <a:fld id="{EEE7C04C-7AF8-1445-A186-502B631B934F}" type="datetimeFigureOut">
               <a:rPr lang="en-US" smtClean="0"/>
-              <a:t>2/8/19</a:t>
+              <a:t>9/20/19</a:t>
             </a:fld>
             <a:endParaRPr lang="en-US"/>
           </a:p>
@@ -1362,7 +1362,7 @@
           <a:p>
             <a:fld id="{EEE7C04C-7AF8-1445-A186-502B631B934F}" type="datetimeFigureOut">
               <a:rPr lang="en-US" smtClean="0"/>
-              <a:t>2/8/19</a:t>
+              <a:t>9/20/19</a:t>
             </a:fld>
             <a:endParaRPr lang="en-US"/>
           </a:p>
@@ -1589,7 +1589,7 @@
           <a:p>
             <a:fld id="{EEE7C04C-7AF8-1445-A186-502B631B934F}" type="datetimeFigureOut">
               <a:rPr lang="en-US" smtClean="0"/>
-              <a:t>2/8/19</a:t>
+              <a:t>9/20/19</a:t>
             </a:fld>
             <a:endParaRPr lang="en-US"/>
           </a:p>
@@ -1951,7 +1951,7 @@
           <a:p>
             <a:fld id="{EEE7C04C-7AF8-1445-A186-502B631B934F}" type="datetimeFigureOut">
               <a:rPr lang="en-US" smtClean="0"/>
-              <a:t>2/8/19</a:t>
+              <a:t>9/20/19</a:t>
             </a:fld>
             <a:endParaRPr lang="en-US"/>
           </a:p>
@@ -2064,7 +2064,7 @@
           <a:p>
             <a:fld id="{EEE7C04C-7AF8-1445-A186-502B631B934F}" type="datetimeFigureOut">
               <a:rPr lang="en-US" smtClean="0"/>
-              <a:t>2/8/19</a:t>
+              <a:t>9/20/19</a:t>
             </a:fld>
             <a:endParaRPr lang="en-US"/>
           </a:p>
@@ -2154,7 +2154,7 @@
           <a:p>
             <a:fld id="{EEE7C04C-7AF8-1445-A186-502B631B934F}" type="datetimeFigureOut">
               <a:rPr lang="en-US" smtClean="0"/>
-              <a:t>2/8/19</a:t>
+              <a:t>9/20/19</a:t>
             </a:fld>
             <a:endParaRPr lang="en-US"/>
           </a:p>
@@ -2426,7 +2426,7 @@
           <a:p>
             <a:fld id="{EEE7C04C-7AF8-1445-A186-502B631B934F}" type="datetimeFigureOut">
               <a:rPr lang="en-US" smtClean="0"/>
-              <a:t>2/8/19</a:t>
+              <a:t>9/20/19</a:t>
             </a:fld>
             <a:endParaRPr lang="en-US"/>
           </a:p>
@@ -2678,7 +2678,7 @@
           <a:p>
             <a:fld id="{EEE7C04C-7AF8-1445-A186-502B631B934F}" type="datetimeFigureOut">
               <a:rPr lang="en-US" smtClean="0"/>
-              <a:t>2/8/19</a:t>
+              <a:t>9/20/19</a:t>
             </a:fld>
             <a:endParaRPr lang="en-US"/>
           </a:p>
@@ -2886,7 +2886,7 @@
           <a:p>
             <a:fld id="{EEE7C04C-7AF8-1445-A186-502B631B934F}" type="datetimeFigureOut">
               <a:rPr lang="en-US" smtClean="0"/>
-              <a:t>2/8/19</a:t>
+              <a:t>9/20/19</a:t>
             </a:fld>
             <a:endParaRPr lang="en-US"/>
           </a:p>
@@ -3304,10 +3304,10 @@
           <p:cNvPr id="10" name="Rectangle 9">
             <a:extLst>
               <a:ext uri="{FF2B5EF4-FFF2-40B4-BE49-F238E27FC236}">
-                <a16:creationId xmlns:a16="http://schemas.microsoft.com/office/drawing/2014/main" xmlns="" id="{E20EB187-900F-4AF5-813B-101456D9FD39}"/>
+                <a16:creationId xmlns="" xmlns:a16="http://schemas.microsoft.com/office/drawing/2014/main" id="{E20EB187-900F-4AF5-813B-101456D9FD39}"/>
               </a:ext>
               <a:ext uri="{C183D7F6-B498-43B3-948B-1728B52AA6E4}">
-                <adec:decorative xmlns:adec="http://schemas.microsoft.com/office/drawing/2017/decorative" xmlns="" val="1"/>
+                <adec:decorative xmlns="" xmlns:adec="http://schemas.microsoft.com/office/drawing/2017/decorative" val="1"/>
               </a:ext>
             </a:extLst>
           </p:cNvPr>
@@ -3362,36 +3362,6 @@
           </a:p>
         </p:txBody>
       </p:sp>
-      <p:pic>
-        <p:nvPicPr>
-          <p:cNvPr id="4" name="Picture 3"/>
-          <p:cNvPicPr>
-            <a:picLocks noChangeAspect="1"/>
-          </p:cNvPicPr>
-          <p:nvPr/>
-        </p:nvPicPr>
-        <p:blipFill rotWithShape="1">
-          <a:blip r:embed="rId2">
-            <a:alphaModFix amt="50000"/>
-            <a:extLst>
-              <a:ext uri="{28A0092B-C50C-407E-A947-70E740481C1C}">
-                <a14:useLocalDpi xmlns:a14="http://schemas.microsoft.com/office/drawing/2010/main" val="0"/>
-              </a:ext>
-            </a:extLst>
-          </a:blip>
-          <a:srcRect b="2174"/>
-          <a:stretch/>
-        </p:blipFill>
-        <p:spPr>
-          <a:xfrm>
-            <a:off x="20" y="1"/>
-            <a:ext cx="12191980" cy="6857999"/>
-          </a:xfrm>
-          <a:prstGeom prst="rect">
-            <a:avLst/>
-          </a:prstGeom>
-        </p:spPr>
-      </p:pic>
       <p:sp>
         <p:nvSpPr>
           <p:cNvPr id="2" name="Title 1"/>
@@ -3488,10 +3458,10 @@
           <p:cNvPr id="12" name="Straight Connector 11">
             <a:extLst>
               <a:ext uri="{FF2B5EF4-FFF2-40B4-BE49-F238E27FC236}">
-                <a16:creationId xmlns:a16="http://schemas.microsoft.com/office/drawing/2014/main" xmlns="" id="{624D17C8-E9C2-48A4-AA36-D7048A6CCC41}"/>
+                <a16:creationId xmlns="" xmlns:a16="http://schemas.microsoft.com/office/drawing/2014/main" id="{624D17C8-E9C2-48A4-AA36-D7048A6CCC41}"/>
               </a:ext>
               <a:ext uri="{C183D7F6-B498-43B3-948B-1728B52AA6E4}">
-                <adec:decorative xmlns:adec="http://schemas.microsoft.com/office/drawing/2017/decorative" xmlns="" val="1"/>
+                <adec:decorative xmlns="" xmlns:adec="http://schemas.microsoft.com/office/drawing/2017/decorative" val="1"/>
               </a:ext>
             </a:extLst>
           </p:cNvPr>
@@ -3544,7 +3514,7 @@
           <p:nvPr/>
         </p:nvPicPr>
         <p:blipFill>
-          <a:blip r:embed="rId3">
+          <a:blip r:embed="rId2">
             <a:extLst>
               <a:ext uri="{28A0092B-C50C-407E-A947-70E740481C1C}">
                 <a14:useLocalDpi xmlns:a14="http://schemas.microsoft.com/office/drawing/2010/main" val="0"/>
@@ -7931,15 +7901,7 @@
                 <a:ea typeface="Courier New" charset="0"/>
                 <a:cs typeface="Courier New" charset="0"/>
               </a:rPr>
-              <a:t> </a:t>
-            </a:r>
-            <a:r>
-              <a:rPr lang="en-US" sz="2800" b="1" dirty="0" smtClean="0">
-                <a:latin typeface="Courier New" charset="0"/>
-                <a:ea typeface="Courier New" charset="0"/>
-                <a:cs typeface="Courier New" charset="0"/>
-              </a:rPr>
-              <a:t>%}</a:t>
+              <a:t> %}</a:t>
             </a:r>
           </a:p>
           <a:p>
@@ -12626,36 +12588,6 @@
           <a:chExt cx="0" cy="0"/>
         </a:xfrm>
       </p:grpSpPr>
-      <p:pic>
-        <p:nvPicPr>
-          <p:cNvPr id="42" name="Picture 41"/>
-          <p:cNvPicPr>
-            <a:picLocks noChangeAspect="1"/>
-          </p:cNvPicPr>
-          <p:nvPr/>
-        </p:nvPicPr>
-        <p:blipFill rotWithShape="1">
-          <a:blip r:embed="rId2">
-            <a:alphaModFix/>
-            <a:extLst>
-              <a:ext uri="{28A0092B-C50C-407E-A947-70E740481C1C}">
-                <a14:useLocalDpi xmlns:a14="http://schemas.microsoft.com/office/drawing/2010/main" val="0"/>
-              </a:ext>
-            </a:extLst>
-          </a:blip>
-          <a:srcRect b="2174"/>
-          <a:stretch/>
-        </p:blipFill>
-        <p:spPr>
-          <a:xfrm>
-            <a:off x="20" y="11704"/>
-            <a:ext cx="12191980" cy="6857999"/>
-          </a:xfrm>
-          <a:prstGeom prst="rect">
-            <a:avLst/>
-          </a:prstGeom>
-        </p:spPr>
-      </p:pic>
       <p:sp>
         <p:nvSpPr>
           <p:cNvPr id="5" name="Rectangle 4"/>
@@ -13774,7 +13706,7 @@
             <a:pPr algn="ctr"/>
             <a:r>
               <a:rPr lang="en-US" dirty="0" err="1" smtClean="0"/>
-              <a:t>model.py</a:t>
+              <a:t>models.py</a:t>
             </a:r>
             <a:endParaRPr lang="en-US" dirty="0"/>
           </a:p>
@@ -13975,7 +13907,7 @@
           <p:nvPr/>
         </p:nvPicPr>
         <p:blipFill>
-          <a:blip r:embed="rId3">
+          <a:blip r:embed="rId2">
             <a:extLst>
               <a:ext uri="{28A0092B-C50C-407E-A947-70E740481C1C}">
                 <a14:useLocalDpi xmlns:a14="http://schemas.microsoft.com/office/drawing/2010/main" val="0"/>
